--- a/make_presentation/templates/templates/classic/_50.pptx
+++ b/make_presentation/templates/templates/classic/_50.pptx
@@ -341,7 +341,7 @@
             <a:pPr algn="r">
               <a:buNone/>
             </a:pPr>
-            <a:fld id="{5F3E9A6E-51C1-41B4-9745-2CFCCAA91CBE}" type="slidenum">
+            <a:fld id="{D1338837-9B59-4B45-B891-E641E56ADAC7}" type="slidenum">
               <a:rPr b="0" lang="en-US" sz="1400" spc="-1" strike="noStrike">
                 <a:latin typeface="Times New Roman"/>
               </a:rPr>
@@ -389,7 +389,7 @@
         <p:spPr>
           <a:xfrm>
             <a:off x="380880" y="685800"/>
-            <a:ext cx="6090480" cy="3423600"/>
+            <a:ext cx="6090120" cy="3423240"/>
           </a:xfrm>
           <a:prstGeom prst="rect">
             <a:avLst/>
@@ -412,7 +412,7 @@
         <p:spPr>
           <a:xfrm>
             <a:off x="685800" y="4343400"/>
-            <a:ext cx="5481000" cy="4109400"/>
+            <a:ext cx="5480640" cy="4109040"/>
           </a:xfrm>
           <a:prstGeom prst="rect">
             <a:avLst/>
@@ -446,7 +446,7 @@
         <p:spPr>
           <a:xfrm>
             <a:off x="3884760" y="8685360"/>
-            <a:ext cx="2966400" cy="451800"/>
+            <a:ext cx="2966040" cy="451440"/>
           </a:xfrm>
           <a:prstGeom prst="rect">
             <a:avLst/>
@@ -482,7 +482,7 @@
               </a:lnSpc>
               <a:buNone/>
             </a:pPr>
-            <a:fld id="{CF679844-6934-4396-9A57-4FFCF3AC884B}" type="slidenum">
+            <a:fld id="{0F78F7D9-5719-4575-9C5A-4BC056176739}" type="slidenum">
               <a:rPr b="0" lang="en-US" sz="1200" spc="-1" strike="noStrike">
                 <a:solidFill>
                   <a:srgbClr val="000000"/>
@@ -533,7 +533,7 @@
         <p:spPr>
           <a:xfrm>
             <a:off x="380880" y="685800"/>
-            <a:ext cx="6090480" cy="3423600"/>
+            <a:ext cx="6090120" cy="3423240"/>
           </a:xfrm>
           <a:prstGeom prst="rect">
             <a:avLst/>
@@ -556,7 +556,7 @@
         <p:spPr>
           <a:xfrm>
             <a:off x="685800" y="4343400"/>
-            <a:ext cx="5481000" cy="4109400"/>
+            <a:ext cx="5480640" cy="4109040"/>
           </a:xfrm>
           <a:prstGeom prst="rect">
             <a:avLst/>
@@ -590,7 +590,7 @@
         <p:spPr>
           <a:xfrm>
             <a:off x="3884760" y="8685360"/>
-            <a:ext cx="2966400" cy="451800"/>
+            <a:ext cx="2966040" cy="451440"/>
           </a:xfrm>
           <a:prstGeom prst="rect">
             <a:avLst/>
@@ -626,7 +626,7 @@
               </a:lnSpc>
               <a:buNone/>
             </a:pPr>
-            <a:fld id="{51CE0296-6F4E-4A32-BCE3-07376DB8843D}" type="slidenum">
+            <a:fld id="{6AE53AB9-D303-47A3-8042-6D9191DFEBDF}" type="slidenum">
               <a:rPr b="0" lang="en-US" sz="1200" spc="-1" strike="noStrike">
                 <a:solidFill>
                   <a:srgbClr val="000000"/>
@@ -677,7 +677,7 @@
         <p:spPr>
           <a:xfrm>
             <a:off x="380880" y="685800"/>
-            <a:ext cx="6090480" cy="3423600"/>
+            <a:ext cx="6090120" cy="3423240"/>
           </a:xfrm>
           <a:prstGeom prst="rect">
             <a:avLst/>
@@ -700,7 +700,7 @@
         <p:spPr>
           <a:xfrm>
             <a:off x="685800" y="4343400"/>
-            <a:ext cx="5481000" cy="4109400"/>
+            <a:ext cx="5480640" cy="4109040"/>
           </a:xfrm>
           <a:prstGeom prst="rect">
             <a:avLst/>
@@ -734,7 +734,7 @@
         <p:spPr>
           <a:xfrm>
             <a:off x="3884760" y="8685360"/>
-            <a:ext cx="2966400" cy="451800"/>
+            <a:ext cx="2966040" cy="451440"/>
           </a:xfrm>
           <a:prstGeom prst="rect">
             <a:avLst/>
@@ -770,7 +770,7 @@
               </a:lnSpc>
               <a:buNone/>
             </a:pPr>
-            <a:fld id="{CEE21C0B-CE61-4739-857A-457643CDC88C}" type="slidenum">
+            <a:fld id="{8D6B2CA8-2C39-4DAC-98B9-8D646CC627BD}" type="slidenum">
               <a:rPr b="0" lang="en-US" sz="1200" spc="-1" strike="noStrike">
                 <a:solidFill>
                   <a:srgbClr val="000000"/>
@@ -821,7 +821,7 @@
         <p:spPr>
           <a:xfrm>
             <a:off x="380880" y="685800"/>
-            <a:ext cx="6090480" cy="3423600"/>
+            <a:ext cx="6090120" cy="3423240"/>
           </a:xfrm>
           <a:prstGeom prst="rect">
             <a:avLst/>
@@ -844,7 +844,7 @@
         <p:spPr>
           <a:xfrm>
             <a:off x="685800" y="4343400"/>
-            <a:ext cx="5481000" cy="4109400"/>
+            <a:ext cx="5480640" cy="4109040"/>
           </a:xfrm>
           <a:prstGeom prst="rect">
             <a:avLst/>
@@ -878,7 +878,7 @@
         <p:spPr>
           <a:xfrm>
             <a:off x="3884760" y="8685360"/>
-            <a:ext cx="2966400" cy="451800"/>
+            <a:ext cx="2966040" cy="451440"/>
           </a:xfrm>
           <a:prstGeom prst="rect">
             <a:avLst/>
@@ -914,7 +914,7 @@
               </a:lnSpc>
               <a:buNone/>
             </a:pPr>
-            <a:fld id="{8704A7E6-4FA2-479C-AF0C-1D23AC1008CC}" type="slidenum">
+            <a:fld id="{304DC6BD-A8D6-42B7-AE01-EC76E23160B1}" type="slidenum">
               <a:rPr b="0" lang="en-US" sz="1200" spc="-1" strike="noStrike">
                 <a:solidFill>
                   <a:srgbClr val="000000"/>
@@ -965,7 +965,7 @@
         <p:spPr>
           <a:xfrm>
             <a:off x="380880" y="685800"/>
-            <a:ext cx="6090480" cy="3423600"/>
+            <a:ext cx="6090120" cy="3423240"/>
           </a:xfrm>
           <a:prstGeom prst="rect">
             <a:avLst/>
@@ -988,7 +988,7 @@
         <p:spPr>
           <a:xfrm>
             <a:off x="685800" y="4343400"/>
-            <a:ext cx="5481000" cy="4109400"/>
+            <a:ext cx="5480640" cy="4109040"/>
           </a:xfrm>
           <a:prstGeom prst="rect">
             <a:avLst/>
@@ -1022,7 +1022,7 @@
         <p:spPr>
           <a:xfrm>
             <a:off x="3884760" y="8685360"/>
-            <a:ext cx="2966400" cy="451800"/>
+            <a:ext cx="2966040" cy="451440"/>
           </a:xfrm>
           <a:prstGeom prst="rect">
             <a:avLst/>
@@ -1058,7 +1058,7 @@
               </a:lnSpc>
               <a:buNone/>
             </a:pPr>
-            <a:fld id="{5FF2851F-0076-4942-8618-AF3AD64A22C5}" type="slidenum">
+            <a:fld id="{1E7A5932-1CC3-4E2A-8590-67E016297A10}" type="slidenum">
               <a:rPr b="0" lang="en-US" sz="1200" spc="-1" strike="noStrike">
                 <a:solidFill>
                   <a:srgbClr val="000000"/>
@@ -1109,7 +1109,7 @@
         <p:spPr>
           <a:xfrm>
             <a:off x="380880" y="685800"/>
-            <a:ext cx="6090480" cy="3423600"/>
+            <a:ext cx="6090120" cy="3423240"/>
           </a:xfrm>
           <a:prstGeom prst="rect">
             <a:avLst/>
@@ -1132,7 +1132,7 @@
         <p:spPr>
           <a:xfrm>
             <a:off x="685800" y="4343400"/>
-            <a:ext cx="5481000" cy="4109400"/>
+            <a:ext cx="5480640" cy="4109040"/>
           </a:xfrm>
           <a:prstGeom prst="rect">
             <a:avLst/>
@@ -1166,7 +1166,7 @@
         <p:spPr>
           <a:xfrm>
             <a:off x="3884760" y="8685360"/>
-            <a:ext cx="2966400" cy="451800"/>
+            <a:ext cx="2966040" cy="451440"/>
           </a:xfrm>
           <a:prstGeom prst="rect">
             <a:avLst/>
@@ -1202,7 +1202,7 @@
               </a:lnSpc>
               <a:buNone/>
             </a:pPr>
-            <a:fld id="{4AFC1ED7-1248-4B45-B684-3F1FE106526F}" type="slidenum">
+            <a:fld id="{63C389EE-BCC5-40A7-811A-36261DF54B39}" type="slidenum">
               <a:rPr b="0" lang="en-US" sz="1200" spc="-1" strike="noStrike">
                 <a:solidFill>
                   <a:srgbClr val="000000"/>
@@ -1253,7 +1253,7 @@
         <p:spPr>
           <a:xfrm>
             <a:off x="380880" y="685800"/>
-            <a:ext cx="6090480" cy="3423600"/>
+            <a:ext cx="6090120" cy="3423240"/>
           </a:xfrm>
           <a:prstGeom prst="rect">
             <a:avLst/>
@@ -1276,7 +1276,7 @@
         <p:spPr>
           <a:xfrm>
             <a:off x="685800" y="4343400"/>
-            <a:ext cx="5481000" cy="4109400"/>
+            <a:ext cx="5480640" cy="4109040"/>
           </a:xfrm>
           <a:prstGeom prst="rect">
             <a:avLst/>
@@ -1310,7 +1310,7 @@
         <p:spPr>
           <a:xfrm>
             <a:off x="3884760" y="8685360"/>
-            <a:ext cx="2966400" cy="451800"/>
+            <a:ext cx="2966040" cy="451440"/>
           </a:xfrm>
           <a:prstGeom prst="rect">
             <a:avLst/>
@@ -1346,7 +1346,7 @@
               </a:lnSpc>
               <a:buNone/>
             </a:pPr>
-            <a:fld id="{564D85C3-4359-4311-BFEB-8BE7DCD4AF4D}" type="slidenum">
+            <a:fld id="{C98D74F8-1A69-4584-B9DE-A97C378A5B17}" type="slidenum">
               <a:rPr b="0" lang="en-US" sz="1200" spc="-1" strike="noStrike">
                 <a:solidFill>
                   <a:srgbClr val="000000"/>
@@ -1397,7 +1397,7 @@
         <p:spPr>
           <a:xfrm>
             <a:off x="380880" y="685800"/>
-            <a:ext cx="6090480" cy="3423600"/>
+            <a:ext cx="6090120" cy="3423240"/>
           </a:xfrm>
           <a:prstGeom prst="rect">
             <a:avLst/>
@@ -1420,7 +1420,7 @@
         <p:spPr>
           <a:xfrm>
             <a:off x="685800" y="4343400"/>
-            <a:ext cx="5481000" cy="4109400"/>
+            <a:ext cx="5480640" cy="4109040"/>
           </a:xfrm>
           <a:prstGeom prst="rect">
             <a:avLst/>
@@ -1454,7 +1454,7 @@
         <p:spPr>
           <a:xfrm>
             <a:off x="3884760" y="8685360"/>
-            <a:ext cx="2966400" cy="451800"/>
+            <a:ext cx="2966040" cy="451440"/>
           </a:xfrm>
           <a:prstGeom prst="rect">
             <a:avLst/>
@@ -1490,7 +1490,7 @@
               </a:lnSpc>
               <a:buNone/>
             </a:pPr>
-            <a:fld id="{94110D7A-3ECF-412C-A670-AA0FAD06D045}" type="slidenum">
+            <a:fld id="{92E39503-F51A-480D-B5A6-3960C96A4BA0}" type="slidenum">
               <a:rPr b="0" lang="en-US" sz="1200" spc="-1" strike="noStrike">
                 <a:solidFill>
                   <a:srgbClr val="000000"/>
@@ -1541,7 +1541,7 @@
         <p:spPr>
           <a:xfrm>
             <a:off x="380880" y="685800"/>
-            <a:ext cx="6090480" cy="3423600"/>
+            <a:ext cx="6090120" cy="3423240"/>
           </a:xfrm>
           <a:prstGeom prst="rect">
             <a:avLst/>
@@ -1564,7 +1564,7 @@
         <p:spPr>
           <a:xfrm>
             <a:off x="685800" y="4343400"/>
-            <a:ext cx="5481000" cy="4109400"/>
+            <a:ext cx="5480640" cy="4109040"/>
           </a:xfrm>
           <a:prstGeom prst="rect">
             <a:avLst/>
@@ -1598,7 +1598,7 @@
         <p:spPr>
           <a:xfrm>
             <a:off x="3884760" y="8685360"/>
-            <a:ext cx="2966400" cy="451800"/>
+            <a:ext cx="2966040" cy="451440"/>
           </a:xfrm>
           <a:prstGeom prst="rect">
             <a:avLst/>
@@ -1634,7 +1634,7 @@
               </a:lnSpc>
               <a:buNone/>
             </a:pPr>
-            <a:fld id="{7DC16AD7-0357-4327-946E-711949E3B491}" type="slidenum">
+            <a:fld id="{674BB684-D073-47DE-9D9D-3AC4024021BB}" type="slidenum">
               <a:rPr b="0" lang="en-US" sz="1200" spc="-1" strike="noStrike">
                 <a:solidFill>
                   <a:srgbClr val="000000"/>
@@ -1685,7 +1685,7 @@
         <p:spPr>
           <a:xfrm>
             <a:off x="380880" y="685800"/>
-            <a:ext cx="6090480" cy="3423600"/>
+            <a:ext cx="6090120" cy="3423240"/>
           </a:xfrm>
           <a:prstGeom prst="rect">
             <a:avLst/>
@@ -1708,7 +1708,7 @@
         <p:spPr>
           <a:xfrm>
             <a:off x="685800" y="4343400"/>
-            <a:ext cx="5481000" cy="4109400"/>
+            <a:ext cx="5480640" cy="4109040"/>
           </a:xfrm>
           <a:prstGeom prst="rect">
             <a:avLst/>
@@ -1742,7 +1742,7 @@
         <p:spPr>
           <a:xfrm>
             <a:off x="3884760" y="8685360"/>
-            <a:ext cx="2966400" cy="451800"/>
+            <a:ext cx="2966040" cy="451440"/>
           </a:xfrm>
           <a:prstGeom prst="rect">
             <a:avLst/>
@@ -1778,7 +1778,7 @@
               </a:lnSpc>
               <a:buNone/>
             </a:pPr>
-            <a:fld id="{16A7129A-7C81-4782-9579-944F0261A663}" type="slidenum">
+            <a:fld id="{E2FC3551-31F3-425B-BE0D-36375E8FC13D}" type="slidenum">
               <a:rPr b="0" lang="en-US" sz="1200" spc="-1" strike="noStrike">
                 <a:solidFill>
                   <a:srgbClr val="000000"/>
@@ -1829,7 +1829,7 @@
         <p:spPr>
           <a:xfrm>
             <a:off x="380880" y="685800"/>
-            <a:ext cx="6090480" cy="3423600"/>
+            <a:ext cx="6090120" cy="3423240"/>
           </a:xfrm>
           <a:prstGeom prst="rect">
             <a:avLst/>
@@ -1852,7 +1852,7 @@
         <p:spPr>
           <a:xfrm>
             <a:off x="685800" y="4343400"/>
-            <a:ext cx="5481000" cy="4109400"/>
+            <a:ext cx="5480640" cy="4109040"/>
           </a:xfrm>
           <a:prstGeom prst="rect">
             <a:avLst/>
@@ -1886,7 +1886,7 @@
         <p:spPr>
           <a:xfrm>
             <a:off x="3884760" y="8685360"/>
-            <a:ext cx="2966400" cy="451800"/>
+            <a:ext cx="2966040" cy="451440"/>
           </a:xfrm>
           <a:prstGeom prst="rect">
             <a:avLst/>
@@ -1922,7 +1922,7 @@
               </a:lnSpc>
               <a:buNone/>
             </a:pPr>
-            <a:fld id="{7F705EA6-4CE1-4C61-A261-5607636B40F2}" type="slidenum">
+            <a:fld id="{8F5D70EE-937A-47AC-BBDA-90267EAC9EC1}" type="slidenum">
               <a:rPr b="0" lang="en-US" sz="1200" spc="-1" strike="noStrike">
                 <a:solidFill>
                   <a:srgbClr val="000000"/>
@@ -1973,7 +1973,7 @@
         <p:spPr>
           <a:xfrm>
             <a:off x="380880" y="685800"/>
-            <a:ext cx="6090480" cy="3423600"/>
+            <a:ext cx="6090120" cy="3423240"/>
           </a:xfrm>
           <a:prstGeom prst="rect">
             <a:avLst/>
@@ -1996,7 +1996,7 @@
         <p:spPr>
           <a:xfrm>
             <a:off x="685800" y="4343400"/>
-            <a:ext cx="5481000" cy="4109400"/>
+            <a:ext cx="5480640" cy="4109040"/>
           </a:xfrm>
           <a:prstGeom prst="rect">
             <a:avLst/>
@@ -2030,7 +2030,7 @@
         <p:spPr>
           <a:xfrm>
             <a:off x="3884760" y="8685360"/>
-            <a:ext cx="2966400" cy="451800"/>
+            <a:ext cx="2966040" cy="451440"/>
           </a:xfrm>
           <a:prstGeom prst="rect">
             <a:avLst/>
@@ -2066,7 +2066,7 @@
               </a:lnSpc>
               <a:buNone/>
             </a:pPr>
-            <a:fld id="{6D044258-1C88-4EB7-B061-3650003D2CE2}" type="slidenum">
+            <a:fld id="{AF705D97-D78B-4420-9799-FA7BA3D1C293}" type="slidenum">
               <a:rPr b="0" lang="en-US" sz="1200" spc="-1" strike="noStrike">
                 <a:solidFill>
                   <a:srgbClr val="000000"/>
@@ -2117,7 +2117,7 @@
         <p:spPr>
           <a:xfrm>
             <a:off x="380880" y="685800"/>
-            <a:ext cx="6090480" cy="3423600"/>
+            <a:ext cx="6090120" cy="3423240"/>
           </a:xfrm>
           <a:prstGeom prst="rect">
             <a:avLst/>
@@ -2140,7 +2140,7 @@
         <p:spPr>
           <a:xfrm>
             <a:off x="685800" y="4343400"/>
-            <a:ext cx="5481000" cy="4109400"/>
+            <a:ext cx="5480640" cy="4109040"/>
           </a:xfrm>
           <a:prstGeom prst="rect">
             <a:avLst/>
@@ -2174,7 +2174,7 @@
         <p:spPr>
           <a:xfrm>
             <a:off x="3884760" y="8685360"/>
-            <a:ext cx="2966400" cy="451800"/>
+            <a:ext cx="2966040" cy="451440"/>
           </a:xfrm>
           <a:prstGeom prst="rect">
             <a:avLst/>
@@ -2210,7 +2210,7 @@
               </a:lnSpc>
               <a:buNone/>
             </a:pPr>
-            <a:fld id="{3D37D893-1AAF-44DB-9CCC-C401DB03ACA4}" type="slidenum">
+            <a:fld id="{199F8C59-9152-4A6D-979A-5BD4F3D69595}" type="slidenum">
               <a:rPr b="0" lang="en-US" sz="1200" spc="-1" strike="noStrike">
                 <a:solidFill>
                   <a:srgbClr val="000000"/>
@@ -2261,7 +2261,7 @@
         <p:spPr>
           <a:xfrm>
             <a:off x="380880" y="685800"/>
-            <a:ext cx="6090480" cy="3423600"/>
+            <a:ext cx="6090120" cy="3423240"/>
           </a:xfrm>
           <a:prstGeom prst="rect">
             <a:avLst/>
@@ -2284,7 +2284,7 @@
         <p:spPr>
           <a:xfrm>
             <a:off x="685800" y="4343400"/>
-            <a:ext cx="5481000" cy="4109400"/>
+            <a:ext cx="5480640" cy="4109040"/>
           </a:xfrm>
           <a:prstGeom prst="rect">
             <a:avLst/>
@@ -2318,7 +2318,7 @@
         <p:spPr>
           <a:xfrm>
             <a:off x="3884760" y="8685360"/>
-            <a:ext cx="2966400" cy="451800"/>
+            <a:ext cx="2966040" cy="451440"/>
           </a:xfrm>
           <a:prstGeom prst="rect">
             <a:avLst/>
@@ -2354,7 +2354,7 @@
               </a:lnSpc>
               <a:buNone/>
             </a:pPr>
-            <a:fld id="{A1837DE7-3A41-498E-9CC0-ECDCC826EB51}" type="slidenum">
+            <a:fld id="{E93D71F4-B1EC-4FB7-94F7-92B27B1B3488}" type="slidenum">
               <a:rPr b="0" lang="en-US" sz="1200" spc="-1" strike="noStrike">
                 <a:solidFill>
                   <a:srgbClr val="000000"/>
@@ -2405,7 +2405,7 @@
         <p:spPr>
           <a:xfrm>
             <a:off x="380880" y="685800"/>
-            <a:ext cx="6090480" cy="3423600"/>
+            <a:ext cx="6090120" cy="3423240"/>
           </a:xfrm>
           <a:prstGeom prst="rect">
             <a:avLst/>
@@ -2428,7 +2428,7 @@
         <p:spPr>
           <a:xfrm>
             <a:off x="685800" y="4343400"/>
-            <a:ext cx="5481000" cy="4109400"/>
+            <a:ext cx="5480640" cy="4109040"/>
           </a:xfrm>
           <a:prstGeom prst="rect">
             <a:avLst/>
@@ -2462,7 +2462,7 @@
         <p:spPr>
           <a:xfrm>
             <a:off x="3884760" y="8685360"/>
-            <a:ext cx="2966400" cy="451800"/>
+            <a:ext cx="2966040" cy="451440"/>
           </a:xfrm>
           <a:prstGeom prst="rect">
             <a:avLst/>
@@ -2498,7 +2498,7 @@
               </a:lnSpc>
               <a:buNone/>
             </a:pPr>
-            <a:fld id="{ADC146A8-5F63-4622-B20C-E97F431030CC}" type="slidenum">
+            <a:fld id="{42D59B8C-0845-474F-8C19-26B80F509BD9}" type="slidenum">
               <a:rPr b="0" lang="en-US" sz="1200" spc="-1" strike="noStrike">
                 <a:solidFill>
                   <a:srgbClr val="000000"/>
@@ -2549,7 +2549,7 @@
         <p:spPr>
           <a:xfrm>
             <a:off x="380880" y="685800"/>
-            <a:ext cx="6090480" cy="3423600"/>
+            <a:ext cx="6090120" cy="3423240"/>
           </a:xfrm>
           <a:prstGeom prst="rect">
             <a:avLst/>
@@ -2572,7 +2572,7 @@
         <p:spPr>
           <a:xfrm>
             <a:off x="685800" y="4343400"/>
-            <a:ext cx="5481000" cy="4109400"/>
+            <a:ext cx="5480640" cy="4109040"/>
           </a:xfrm>
           <a:prstGeom prst="rect">
             <a:avLst/>
@@ -2606,7 +2606,7 @@
         <p:spPr>
           <a:xfrm>
             <a:off x="3884760" y="8685360"/>
-            <a:ext cx="2966400" cy="451800"/>
+            <a:ext cx="2966040" cy="451440"/>
           </a:xfrm>
           <a:prstGeom prst="rect">
             <a:avLst/>
@@ -2642,7 +2642,7 @@
               </a:lnSpc>
               <a:buNone/>
             </a:pPr>
-            <a:fld id="{29F86E7C-89B5-4790-B81F-B1BC2563DA34}" type="slidenum">
+            <a:fld id="{49828C4F-16C7-464C-9B2D-A0815D7610F3}" type="slidenum">
               <a:rPr b="0" lang="en-US" sz="1200" spc="-1" strike="noStrike">
                 <a:solidFill>
                   <a:srgbClr val="000000"/>
@@ -2693,7 +2693,7 @@
         <p:spPr>
           <a:xfrm>
             <a:off x="380880" y="685800"/>
-            <a:ext cx="6090480" cy="3423600"/>
+            <a:ext cx="6090120" cy="3423240"/>
           </a:xfrm>
           <a:prstGeom prst="rect">
             <a:avLst/>
@@ -2716,7 +2716,7 @@
         <p:spPr>
           <a:xfrm>
             <a:off x="685800" y="4343400"/>
-            <a:ext cx="5481000" cy="4109400"/>
+            <a:ext cx="5480640" cy="4109040"/>
           </a:xfrm>
           <a:prstGeom prst="rect">
             <a:avLst/>
@@ -2750,7 +2750,7 @@
         <p:spPr>
           <a:xfrm>
             <a:off x="3884760" y="8685360"/>
-            <a:ext cx="2966400" cy="451800"/>
+            <a:ext cx="2966040" cy="451440"/>
           </a:xfrm>
           <a:prstGeom prst="rect">
             <a:avLst/>
@@ -2786,7 +2786,7 @@
               </a:lnSpc>
               <a:buNone/>
             </a:pPr>
-            <a:fld id="{5B83A34A-67BD-444F-8759-99BD5D74BB88}" type="slidenum">
+            <a:fld id="{EBDE5B18-6786-4A10-BA47-12358207ABC8}" type="slidenum">
               <a:rPr b="0" lang="en-US" sz="1200" spc="-1" strike="noStrike">
                 <a:solidFill>
                   <a:srgbClr val="000000"/>
@@ -2837,7 +2837,7 @@
         <p:spPr>
           <a:xfrm>
             <a:off x="380880" y="685800"/>
-            <a:ext cx="6090480" cy="3423600"/>
+            <a:ext cx="6090120" cy="3423240"/>
           </a:xfrm>
           <a:prstGeom prst="rect">
             <a:avLst/>
@@ -2860,7 +2860,7 @@
         <p:spPr>
           <a:xfrm>
             <a:off x="685800" y="4343400"/>
-            <a:ext cx="5481000" cy="4109400"/>
+            <a:ext cx="5480640" cy="4109040"/>
           </a:xfrm>
           <a:prstGeom prst="rect">
             <a:avLst/>
@@ -2894,7 +2894,7 @@
         <p:spPr>
           <a:xfrm>
             <a:off x="3884760" y="8685360"/>
-            <a:ext cx="2966400" cy="451800"/>
+            <a:ext cx="2966040" cy="451440"/>
           </a:xfrm>
           <a:prstGeom prst="rect">
             <a:avLst/>
@@ -2930,7 +2930,7 @@
               </a:lnSpc>
               <a:buNone/>
             </a:pPr>
-            <a:fld id="{EB89D660-7355-4304-849E-A1226B49B548}" type="slidenum">
+            <a:fld id="{53C8673A-EAA5-4735-A67F-99A9B94E5AC6}" type="slidenum">
               <a:rPr b="0" lang="en-US" sz="1200" spc="-1" strike="noStrike">
                 <a:solidFill>
                   <a:srgbClr val="000000"/>
@@ -2981,7 +2981,7 @@
         <p:spPr>
           <a:xfrm>
             <a:off x="380880" y="685800"/>
-            <a:ext cx="6090480" cy="3423600"/>
+            <a:ext cx="6090120" cy="3423240"/>
           </a:xfrm>
           <a:prstGeom prst="rect">
             <a:avLst/>
@@ -3004,7 +3004,7 @@
         <p:spPr>
           <a:xfrm>
             <a:off x="685800" y="4343400"/>
-            <a:ext cx="5481000" cy="4109400"/>
+            <a:ext cx="5480640" cy="4109040"/>
           </a:xfrm>
           <a:prstGeom prst="rect">
             <a:avLst/>
@@ -3038,7 +3038,7 @@
         <p:spPr>
           <a:xfrm>
             <a:off x="3884760" y="8685360"/>
-            <a:ext cx="2966400" cy="451800"/>
+            <a:ext cx="2966040" cy="451440"/>
           </a:xfrm>
           <a:prstGeom prst="rect">
             <a:avLst/>
@@ -3074,7 +3074,7 @@
               </a:lnSpc>
               <a:buNone/>
             </a:pPr>
-            <a:fld id="{145383D1-4665-4547-879D-82103063D1A3}" type="slidenum">
+            <a:fld id="{E978E0C4-9BE6-4E65-9EFB-4B46FB83CBE6}" type="slidenum">
               <a:rPr b="0" lang="en-US" sz="1200" spc="-1" strike="noStrike">
                 <a:solidFill>
                   <a:srgbClr val="000000"/>
@@ -3125,7 +3125,7 @@
         <p:spPr>
           <a:xfrm>
             <a:off x="380880" y="685800"/>
-            <a:ext cx="6090480" cy="3423600"/>
+            <a:ext cx="6090120" cy="3423240"/>
           </a:xfrm>
           <a:prstGeom prst="rect">
             <a:avLst/>
@@ -3148,7 +3148,7 @@
         <p:spPr>
           <a:xfrm>
             <a:off x="685800" y="4343400"/>
-            <a:ext cx="5481000" cy="4109400"/>
+            <a:ext cx="5480640" cy="4109040"/>
           </a:xfrm>
           <a:prstGeom prst="rect">
             <a:avLst/>
@@ -3182,7 +3182,7 @@
         <p:spPr>
           <a:xfrm>
             <a:off x="3884760" y="8685360"/>
-            <a:ext cx="2966400" cy="451800"/>
+            <a:ext cx="2966040" cy="451440"/>
           </a:xfrm>
           <a:prstGeom prst="rect">
             <a:avLst/>
@@ -3218,7 +3218,7 @@
               </a:lnSpc>
               <a:buNone/>
             </a:pPr>
-            <a:fld id="{7E53B68D-5D46-4244-A7FD-8A2CE2E1B16C}" type="slidenum">
+            <a:fld id="{590CA852-2180-4C33-ACA4-F3BF37C462A9}" type="slidenum">
               <a:rPr b="0" lang="en-US" sz="1200" spc="-1" strike="noStrike">
                 <a:solidFill>
                   <a:srgbClr val="000000"/>
@@ -3269,7 +3269,7 @@
         <p:spPr>
           <a:xfrm>
             <a:off x="380880" y="685800"/>
-            <a:ext cx="6090480" cy="3423600"/>
+            <a:ext cx="6090120" cy="3423240"/>
           </a:xfrm>
           <a:prstGeom prst="rect">
             <a:avLst/>
@@ -3292,7 +3292,7 @@
         <p:spPr>
           <a:xfrm>
             <a:off x="685800" y="4343400"/>
-            <a:ext cx="5481000" cy="4109400"/>
+            <a:ext cx="5480640" cy="4109040"/>
           </a:xfrm>
           <a:prstGeom prst="rect">
             <a:avLst/>
@@ -3326,7 +3326,7 @@
         <p:spPr>
           <a:xfrm>
             <a:off x="3884760" y="8685360"/>
-            <a:ext cx="2966400" cy="451800"/>
+            <a:ext cx="2966040" cy="451440"/>
           </a:xfrm>
           <a:prstGeom prst="rect">
             <a:avLst/>
@@ -3362,7 +3362,7 @@
               </a:lnSpc>
               <a:buNone/>
             </a:pPr>
-            <a:fld id="{9B6D8ED5-F043-4247-A4FB-9B7049D2CDBF}" type="slidenum">
+            <a:fld id="{49C75439-E781-4597-8684-25A673EE072C}" type="slidenum">
               <a:rPr b="0" lang="en-US" sz="1200" spc="-1" strike="noStrike">
                 <a:solidFill>
                   <a:srgbClr val="000000"/>
@@ -3413,7 +3413,7 @@
         <p:spPr>
           <a:xfrm>
             <a:off x="380880" y="685800"/>
-            <a:ext cx="6090480" cy="3423600"/>
+            <a:ext cx="6090120" cy="3423240"/>
           </a:xfrm>
           <a:prstGeom prst="rect">
             <a:avLst/>
@@ -3436,7 +3436,7 @@
         <p:spPr>
           <a:xfrm>
             <a:off x="685800" y="4343400"/>
-            <a:ext cx="5481000" cy="4109400"/>
+            <a:ext cx="5480640" cy="4109040"/>
           </a:xfrm>
           <a:prstGeom prst="rect">
             <a:avLst/>
@@ -3470,7 +3470,7 @@
         <p:spPr>
           <a:xfrm>
             <a:off x="3884760" y="8685360"/>
-            <a:ext cx="2966400" cy="451800"/>
+            <a:ext cx="2966040" cy="451440"/>
           </a:xfrm>
           <a:prstGeom prst="rect">
             <a:avLst/>
@@ -3506,7 +3506,7 @@
               </a:lnSpc>
               <a:buNone/>
             </a:pPr>
-            <a:fld id="{F1104598-F971-4AFA-8F1A-6267FDD55252}" type="slidenum">
+            <a:fld id="{ACEBFD21-6059-42DB-8231-A4487F88E912}" type="slidenum">
               <a:rPr b="0" lang="en-US" sz="1200" spc="-1" strike="noStrike">
                 <a:solidFill>
                   <a:srgbClr val="000000"/>
@@ -3557,7 +3557,7 @@
         <p:spPr>
           <a:xfrm>
             <a:off x="380880" y="685800"/>
-            <a:ext cx="6090480" cy="3423600"/>
+            <a:ext cx="6090120" cy="3423240"/>
           </a:xfrm>
           <a:prstGeom prst="rect">
             <a:avLst/>
@@ -3580,7 +3580,7 @@
         <p:spPr>
           <a:xfrm>
             <a:off x="685800" y="4343400"/>
-            <a:ext cx="5481000" cy="4109400"/>
+            <a:ext cx="5480640" cy="4109040"/>
           </a:xfrm>
           <a:prstGeom prst="rect">
             <a:avLst/>
@@ -3614,7 +3614,7 @@
         <p:spPr>
           <a:xfrm>
             <a:off x="3884760" y="8685360"/>
-            <a:ext cx="2966400" cy="451800"/>
+            <a:ext cx="2966040" cy="451440"/>
           </a:xfrm>
           <a:prstGeom prst="rect">
             <a:avLst/>
@@ -3650,7 +3650,7 @@
               </a:lnSpc>
               <a:buNone/>
             </a:pPr>
-            <a:fld id="{EA5C006E-8F80-49E4-90C5-3A96AF298345}" type="slidenum">
+            <a:fld id="{804FF0E7-ABD5-4B85-9812-549E71E8C1D3}" type="slidenum">
               <a:rPr b="0" lang="en-US" sz="1200" spc="-1" strike="noStrike">
                 <a:solidFill>
                   <a:srgbClr val="000000"/>
@@ -3701,7 +3701,7 @@
         <p:spPr>
           <a:xfrm>
             <a:off x="380880" y="685800"/>
-            <a:ext cx="6090480" cy="3423600"/>
+            <a:ext cx="6090120" cy="3423240"/>
           </a:xfrm>
           <a:prstGeom prst="rect">
             <a:avLst/>
@@ -3724,7 +3724,7 @@
         <p:spPr>
           <a:xfrm>
             <a:off x="685800" y="4343400"/>
-            <a:ext cx="5481000" cy="4109400"/>
+            <a:ext cx="5480640" cy="4109040"/>
           </a:xfrm>
           <a:prstGeom prst="rect">
             <a:avLst/>
@@ -3758,7 +3758,7 @@
         <p:spPr>
           <a:xfrm>
             <a:off x="3884760" y="8685360"/>
-            <a:ext cx="2966400" cy="451800"/>
+            <a:ext cx="2966040" cy="451440"/>
           </a:xfrm>
           <a:prstGeom prst="rect">
             <a:avLst/>
@@ -3794,7 +3794,7 @@
               </a:lnSpc>
               <a:buNone/>
             </a:pPr>
-            <a:fld id="{00AA9A20-1798-4F4A-9A15-35CE9710071A}" type="slidenum">
+            <a:fld id="{F6A8302C-FFE4-4E0A-93E7-3E501B0916F1}" type="slidenum">
               <a:rPr b="0" lang="en-US" sz="1200" spc="-1" strike="noStrike">
                 <a:solidFill>
                   <a:srgbClr val="000000"/>
@@ -3845,7 +3845,7 @@
         <p:spPr>
           <a:xfrm>
             <a:off x="380880" y="685800"/>
-            <a:ext cx="6090480" cy="3423600"/>
+            <a:ext cx="6090120" cy="3423240"/>
           </a:xfrm>
           <a:prstGeom prst="rect">
             <a:avLst/>
@@ -3868,7 +3868,7 @@
         <p:spPr>
           <a:xfrm>
             <a:off x="685800" y="4343400"/>
-            <a:ext cx="5481000" cy="4109400"/>
+            <a:ext cx="5480640" cy="4109040"/>
           </a:xfrm>
           <a:prstGeom prst="rect">
             <a:avLst/>
@@ -3902,7 +3902,7 @@
         <p:spPr>
           <a:xfrm>
             <a:off x="3884760" y="8685360"/>
-            <a:ext cx="2966400" cy="451800"/>
+            <a:ext cx="2966040" cy="451440"/>
           </a:xfrm>
           <a:prstGeom prst="rect">
             <a:avLst/>
@@ -3938,7 +3938,7 @@
               </a:lnSpc>
               <a:buNone/>
             </a:pPr>
-            <a:fld id="{EE67E2A8-D84E-4282-B04D-509DE052B604}" type="slidenum">
+            <a:fld id="{38691A94-EE35-4BC5-8327-0D468D3ADFF2}" type="slidenum">
               <a:rPr b="0" lang="en-US" sz="1200" spc="-1" strike="noStrike">
                 <a:solidFill>
                   <a:srgbClr val="000000"/>
@@ -3989,7 +3989,7 @@
         <p:spPr>
           <a:xfrm>
             <a:off x="380880" y="685800"/>
-            <a:ext cx="6090480" cy="3423600"/>
+            <a:ext cx="6090120" cy="3423240"/>
           </a:xfrm>
           <a:prstGeom prst="rect">
             <a:avLst/>
@@ -4012,7 +4012,7 @@
         <p:spPr>
           <a:xfrm>
             <a:off x="685800" y="4343400"/>
-            <a:ext cx="5481000" cy="4109400"/>
+            <a:ext cx="5480640" cy="4109040"/>
           </a:xfrm>
           <a:prstGeom prst="rect">
             <a:avLst/>
@@ -4046,7 +4046,7 @@
         <p:spPr>
           <a:xfrm>
             <a:off x="3884760" y="8685360"/>
-            <a:ext cx="2966400" cy="451800"/>
+            <a:ext cx="2966040" cy="451440"/>
           </a:xfrm>
           <a:prstGeom prst="rect">
             <a:avLst/>
@@ -4082,7 +4082,7 @@
               </a:lnSpc>
               <a:buNone/>
             </a:pPr>
-            <a:fld id="{BA1BB03C-7DA4-4F38-873A-21B142146363}" type="slidenum">
+            <a:fld id="{1154B31B-E458-4CA5-97FA-449615B70B7E}" type="slidenum">
               <a:rPr b="0" lang="en-US" sz="1200" spc="-1" strike="noStrike">
                 <a:solidFill>
                   <a:srgbClr val="000000"/>
@@ -4133,7 +4133,7 @@
         <p:spPr>
           <a:xfrm>
             <a:off x="380880" y="685800"/>
-            <a:ext cx="6090480" cy="3423600"/>
+            <a:ext cx="6090120" cy="3423240"/>
           </a:xfrm>
           <a:prstGeom prst="rect">
             <a:avLst/>
@@ -4156,7 +4156,7 @@
         <p:spPr>
           <a:xfrm>
             <a:off x="685800" y="4343400"/>
-            <a:ext cx="5481000" cy="4109400"/>
+            <a:ext cx="5480640" cy="4109040"/>
           </a:xfrm>
           <a:prstGeom prst="rect">
             <a:avLst/>
@@ -4190,7 +4190,7 @@
         <p:spPr>
           <a:xfrm>
             <a:off x="3884760" y="8685360"/>
-            <a:ext cx="2966400" cy="451800"/>
+            <a:ext cx="2966040" cy="451440"/>
           </a:xfrm>
           <a:prstGeom prst="rect">
             <a:avLst/>
@@ -4226,7 +4226,7 @@
               </a:lnSpc>
               <a:buNone/>
             </a:pPr>
-            <a:fld id="{0A241F96-41DD-405A-9866-FBE1961EA9E9}" type="slidenum">
+            <a:fld id="{FE7FCE40-D3DB-486E-AB48-E47D9957CC8F}" type="slidenum">
               <a:rPr b="0" lang="en-US" sz="1200" spc="-1" strike="noStrike">
                 <a:solidFill>
                   <a:srgbClr val="000000"/>
@@ -4277,7 +4277,7 @@
         <p:spPr>
           <a:xfrm>
             <a:off x="380880" y="685800"/>
-            <a:ext cx="6090480" cy="3423600"/>
+            <a:ext cx="6090120" cy="3423240"/>
           </a:xfrm>
           <a:prstGeom prst="rect">
             <a:avLst/>
@@ -4300,7 +4300,7 @@
         <p:spPr>
           <a:xfrm>
             <a:off x="685800" y="4343400"/>
-            <a:ext cx="5481000" cy="4109400"/>
+            <a:ext cx="5480640" cy="4109040"/>
           </a:xfrm>
           <a:prstGeom prst="rect">
             <a:avLst/>
@@ -4334,7 +4334,7 @@
         <p:spPr>
           <a:xfrm>
             <a:off x="3884760" y="8685360"/>
-            <a:ext cx="2966400" cy="451800"/>
+            <a:ext cx="2966040" cy="451440"/>
           </a:xfrm>
           <a:prstGeom prst="rect">
             <a:avLst/>
@@ -4370,7 +4370,7 @@
               </a:lnSpc>
               <a:buNone/>
             </a:pPr>
-            <a:fld id="{E15DB48D-879D-48F2-A2BA-314AC8500ED9}" type="slidenum">
+            <a:fld id="{9AB4D2A9-076A-4870-9D88-80814A862D6E}" type="slidenum">
               <a:rPr b="0" lang="en-US" sz="1200" spc="-1" strike="noStrike">
                 <a:solidFill>
                   <a:srgbClr val="000000"/>
@@ -4421,7 +4421,7 @@
         <p:spPr>
           <a:xfrm>
             <a:off x="380880" y="685800"/>
-            <a:ext cx="6090480" cy="3423600"/>
+            <a:ext cx="6090120" cy="3423240"/>
           </a:xfrm>
           <a:prstGeom prst="rect">
             <a:avLst/>
@@ -4444,7 +4444,7 @@
         <p:spPr>
           <a:xfrm>
             <a:off x="685800" y="4343400"/>
-            <a:ext cx="5481000" cy="4109400"/>
+            <a:ext cx="5480640" cy="4109040"/>
           </a:xfrm>
           <a:prstGeom prst="rect">
             <a:avLst/>
@@ -4478,7 +4478,7 @@
         <p:spPr>
           <a:xfrm>
             <a:off x="3884760" y="8685360"/>
-            <a:ext cx="2966400" cy="451800"/>
+            <a:ext cx="2966040" cy="451440"/>
           </a:xfrm>
           <a:prstGeom prst="rect">
             <a:avLst/>
@@ -4514,7 +4514,7 @@
               </a:lnSpc>
               <a:buNone/>
             </a:pPr>
-            <a:fld id="{F80E659B-D0D7-45B8-A9CF-A7063D7A8AF9}" type="slidenum">
+            <a:fld id="{E3E211F1-D40A-427E-86C8-085944F14DBC}" type="slidenum">
               <a:rPr b="0" lang="en-US" sz="1200" spc="-1" strike="noStrike">
                 <a:solidFill>
                   <a:srgbClr val="000000"/>
@@ -4565,7 +4565,7 @@
         <p:spPr>
           <a:xfrm>
             <a:off x="380880" y="685800"/>
-            <a:ext cx="6090480" cy="3423600"/>
+            <a:ext cx="6090120" cy="3423240"/>
           </a:xfrm>
           <a:prstGeom prst="rect">
             <a:avLst/>
@@ -4588,7 +4588,7 @@
         <p:spPr>
           <a:xfrm>
             <a:off x="685800" y="4343400"/>
-            <a:ext cx="5481000" cy="4109400"/>
+            <a:ext cx="5480640" cy="4109040"/>
           </a:xfrm>
           <a:prstGeom prst="rect">
             <a:avLst/>
@@ -4622,7 +4622,7 @@
         <p:spPr>
           <a:xfrm>
             <a:off x="3884760" y="8685360"/>
-            <a:ext cx="2966400" cy="451800"/>
+            <a:ext cx="2966040" cy="451440"/>
           </a:xfrm>
           <a:prstGeom prst="rect">
             <a:avLst/>
@@ -4658,7 +4658,7 @@
               </a:lnSpc>
               <a:buNone/>
             </a:pPr>
-            <a:fld id="{9BC676BB-A997-45C3-880F-7D3E635CC03E}" type="slidenum">
+            <a:fld id="{9D5B8151-34CA-4DDD-84EC-05ED6FB6C4FE}" type="slidenum">
               <a:rPr b="0" lang="en-US" sz="1200" spc="-1" strike="noStrike">
                 <a:solidFill>
                   <a:srgbClr val="000000"/>
@@ -4709,7 +4709,7 @@
         <p:spPr>
           <a:xfrm>
             <a:off x="380880" y="685800"/>
-            <a:ext cx="6090480" cy="3423600"/>
+            <a:ext cx="6090120" cy="3423240"/>
           </a:xfrm>
           <a:prstGeom prst="rect">
             <a:avLst/>
@@ -4732,7 +4732,7 @@
         <p:spPr>
           <a:xfrm>
             <a:off x="685800" y="4343400"/>
-            <a:ext cx="5481000" cy="4109400"/>
+            <a:ext cx="5480640" cy="4109040"/>
           </a:xfrm>
           <a:prstGeom prst="rect">
             <a:avLst/>
@@ -4766,7 +4766,7 @@
         <p:spPr>
           <a:xfrm>
             <a:off x="3884760" y="8685360"/>
-            <a:ext cx="2966400" cy="451800"/>
+            <a:ext cx="2966040" cy="451440"/>
           </a:xfrm>
           <a:prstGeom prst="rect">
             <a:avLst/>
@@ -4802,7 +4802,7 @@
               </a:lnSpc>
               <a:buNone/>
             </a:pPr>
-            <a:fld id="{00B4864D-01B6-4C7A-B41E-868D89243822}" type="slidenum">
+            <a:fld id="{F58DA4D2-FAE7-44EC-98BD-99A44D000F54}" type="slidenum">
               <a:rPr b="0" lang="en-US" sz="1200" spc="-1" strike="noStrike">
                 <a:solidFill>
                   <a:srgbClr val="000000"/>
@@ -4853,7 +4853,7 @@
         <p:spPr>
           <a:xfrm>
             <a:off x="380880" y="685800"/>
-            <a:ext cx="6090480" cy="3423600"/>
+            <a:ext cx="6090120" cy="3423240"/>
           </a:xfrm>
           <a:prstGeom prst="rect">
             <a:avLst/>
@@ -4876,7 +4876,7 @@
         <p:spPr>
           <a:xfrm>
             <a:off x="685800" y="4343400"/>
-            <a:ext cx="5481000" cy="4109400"/>
+            <a:ext cx="5480640" cy="4109040"/>
           </a:xfrm>
           <a:prstGeom prst="rect">
             <a:avLst/>
@@ -4910,7 +4910,7 @@
         <p:spPr>
           <a:xfrm>
             <a:off x="3884760" y="8685360"/>
-            <a:ext cx="2966400" cy="451800"/>
+            <a:ext cx="2966040" cy="451440"/>
           </a:xfrm>
           <a:prstGeom prst="rect">
             <a:avLst/>
@@ -4946,7 +4946,7 @@
               </a:lnSpc>
               <a:buNone/>
             </a:pPr>
-            <a:fld id="{FC8E5344-D17C-456B-89BE-123105E132D5}" type="slidenum">
+            <a:fld id="{6702DEB8-2EBE-48D0-BDD4-0BC32B0B9E34}" type="slidenum">
               <a:rPr b="0" lang="en-US" sz="1200" spc="-1" strike="noStrike">
                 <a:solidFill>
                   <a:srgbClr val="000000"/>
@@ -4997,7 +4997,7 @@
         <p:spPr>
           <a:xfrm>
             <a:off x="380880" y="685800"/>
-            <a:ext cx="6090480" cy="3423600"/>
+            <a:ext cx="6090120" cy="3423240"/>
           </a:xfrm>
           <a:prstGeom prst="rect">
             <a:avLst/>
@@ -5020,7 +5020,7 @@
         <p:spPr>
           <a:xfrm>
             <a:off x="685800" y="4343400"/>
-            <a:ext cx="5481000" cy="4109400"/>
+            <a:ext cx="5480640" cy="4109040"/>
           </a:xfrm>
           <a:prstGeom prst="rect">
             <a:avLst/>
@@ -5054,7 +5054,7 @@
         <p:spPr>
           <a:xfrm>
             <a:off x="3884760" y="8685360"/>
-            <a:ext cx="2966400" cy="451800"/>
+            <a:ext cx="2966040" cy="451440"/>
           </a:xfrm>
           <a:prstGeom prst="rect">
             <a:avLst/>
@@ -5090,7 +5090,7 @@
               </a:lnSpc>
               <a:buNone/>
             </a:pPr>
-            <a:fld id="{B0886331-6762-4D8B-985A-098A8CF568A9}" type="slidenum">
+            <a:fld id="{33E64C72-DB95-47BF-BA40-5D956EE80D58}" type="slidenum">
               <a:rPr b="0" lang="en-US" sz="1200" spc="-1" strike="noStrike">
                 <a:solidFill>
                   <a:srgbClr val="000000"/>
@@ -5141,7 +5141,7 @@
         <p:spPr>
           <a:xfrm>
             <a:off x="380880" y="685800"/>
-            <a:ext cx="6090480" cy="3423600"/>
+            <a:ext cx="6090120" cy="3423240"/>
           </a:xfrm>
           <a:prstGeom prst="rect">
             <a:avLst/>
@@ -5164,7 +5164,7 @@
         <p:spPr>
           <a:xfrm>
             <a:off x="685800" y="4343400"/>
-            <a:ext cx="5481000" cy="4109400"/>
+            <a:ext cx="5480640" cy="4109040"/>
           </a:xfrm>
           <a:prstGeom prst="rect">
             <a:avLst/>
@@ -5198,7 +5198,7 @@
         <p:spPr>
           <a:xfrm>
             <a:off x="3884760" y="8685360"/>
-            <a:ext cx="2966400" cy="451800"/>
+            <a:ext cx="2966040" cy="451440"/>
           </a:xfrm>
           <a:prstGeom prst="rect">
             <a:avLst/>
@@ -5234,7 +5234,7 @@
               </a:lnSpc>
               <a:buNone/>
             </a:pPr>
-            <a:fld id="{8E53DF29-D559-4792-93E0-18F8D4D11E78}" type="slidenum">
+            <a:fld id="{02526F38-6034-4E3A-B325-0BCD4F51BEC8}" type="slidenum">
               <a:rPr b="0" lang="en-US" sz="1200" spc="-1" strike="noStrike">
                 <a:solidFill>
                   <a:srgbClr val="000000"/>
@@ -5285,7 +5285,7 @@
         <p:spPr>
           <a:xfrm>
             <a:off x="380880" y="685800"/>
-            <a:ext cx="6090480" cy="3423600"/>
+            <a:ext cx="6090120" cy="3423240"/>
           </a:xfrm>
           <a:prstGeom prst="rect">
             <a:avLst/>
@@ -5308,7 +5308,7 @@
         <p:spPr>
           <a:xfrm>
             <a:off x="685800" y="4343400"/>
-            <a:ext cx="5481000" cy="4109400"/>
+            <a:ext cx="5480640" cy="4109040"/>
           </a:xfrm>
           <a:prstGeom prst="rect">
             <a:avLst/>
@@ -5342,7 +5342,7 @@
         <p:spPr>
           <a:xfrm>
             <a:off x="3884760" y="8685360"/>
-            <a:ext cx="2966400" cy="451800"/>
+            <a:ext cx="2966040" cy="451440"/>
           </a:xfrm>
           <a:prstGeom prst="rect">
             <a:avLst/>
@@ -5378,7 +5378,7 @@
               </a:lnSpc>
               <a:buNone/>
             </a:pPr>
-            <a:fld id="{EE52FCAC-2E69-4434-8E40-BB6E6A47EB0C}" type="slidenum">
+            <a:fld id="{4D73295B-E6AB-47D6-B318-F9C8D1B99336}" type="slidenum">
               <a:rPr b="0" lang="en-US" sz="1200" spc="-1" strike="noStrike">
                 <a:solidFill>
                   <a:srgbClr val="000000"/>
@@ -5429,7 +5429,7 @@
         <p:spPr>
           <a:xfrm>
             <a:off x="380880" y="685800"/>
-            <a:ext cx="6090480" cy="3423600"/>
+            <a:ext cx="6090120" cy="3423240"/>
           </a:xfrm>
           <a:prstGeom prst="rect">
             <a:avLst/>
@@ -5452,7 +5452,7 @@
         <p:spPr>
           <a:xfrm>
             <a:off x="685800" y="4343400"/>
-            <a:ext cx="5481000" cy="4109400"/>
+            <a:ext cx="5480640" cy="4109040"/>
           </a:xfrm>
           <a:prstGeom prst="rect">
             <a:avLst/>
@@ -5486,7 +5486,7 @@
         <p:spPr>
           <a:xfrm>
             <a:off x="3884760" y="8685360"/>
-            <a:ext cx="2966400" cy="451800"/>
+            <a:ext cx="2966040" cy="451440"/>
           </a:xfrm>
           <a:prstGeom prst="rect">
             <a:avLst/>
@@ -5522,7 +5522,7 @@
               </a:lnSpc>
               <a:buNone/>
             </a:pPr>
-            <a:fld id="{BAF2EC90-101B-4041-906C-BBB52E3B80B1}" type="slidenum">
+            <a:fld id="{FBB7D6DE-8410-4D3F-9220-82D4C14E45D9}" type="slidenum">
               <a:rPr b="0" lang="en-US" sz="1200" spc="-1" strike="noStrike">
                 <a:solidFill>
                   <a:srgbClr val="000000"/>
@@ -5573,7 +5573,7 @@
         <p:spPr>
           <a:xfrm>
             <a:off x="380880" y="685800"/>
-            <a:ext cx="6090480" cy="3423600"/>
+            <a:ext cx="6090120" cy="3423240"/>
           </a:xfrm>
           <a:prstGeom prst="rect">
             <a:avLst/>
@@ -5596,7 +5596,7 @@
         <p:spPr>
           <a:xfrm>
             <a:off x="685800" y="4343400"/>
-            <a:ext cx="5481000" cy="4109400"/>
+            <a:ext cx="5480640" cy="4109040"/>
           </a:xfrm>
           <a:prstGeom prst="rect">
             <a:avLst/>
@@ -5630,7 +5630,7 @@
         <p:spPr>
           <a:xfrm>
             <a:off x="3884760" y="8685360"/>
-            <a:ext cx="2966400" cy="451800"/>
+            <a:ext cx="2966040" cy="451440"/>
           </a:xfrm>
           <a:prstGeom prst="rect">
             <a:avLst/>
@@ -5666,7 +5666,7 @@
               </a:lnSpc>
               <a:buNone/>
             </a:pPr>
-            <a:fld id="{18E3E958-A5B8-45C3-89EC-0866210E8EC9}" type="slidenum">
+            <a:fld id="{6450D380-4CCF-4EDA-9D09-12CDC1723E05}" type="slidenum">
               <a:rPr b="0" lang="en-US" sz="1200" spc="-1" strike="noStrike">
                 <a:solidFill>
                   <a:srgbClr val="000000"/>
@@ -5717,7 +5717,7 @@
         <p:spPr>
           <a:xfrm>
             <a:off x="380880" y="685800"/>
-            <a:ext cx="6090480" cy="3423600"/>
+            <a:ext cx="6090120" cy="3423240"/>
           </a:xfrm>
           <a:prstGeom prst="rect">
             <a:avLst/>
@@ -5740,7 +5740,7 @@
         <p:spPr>
           <a:xfrm>
             <a:off x="685800" y="4343400"/>
-            <a:ext cx="5481000" cy="4109400"/>
+            <a:ext cx="5480640" cy="4109040"/>
           </a:xfrm>
           <a:prstGeom prst="rect">
             <a:avLst/>
@@ -5774,7 +5774,7 @@
         <p:spPr>
           <a:xfrm>
             <a:off x="3884760" y="8685360"/>
-            <a:ext cx="2966400" cy="451800"/>
+            <a:ext cx="2966040" cy="451440"/>
           </a:xfrm>
           <a:prstGeom prst="rect">
             <a:avLst/>
@@ -5810,7 +5810,7 @@
               </a:lnSpc>
               <a:buNone/>
             </a:pPr>
-            <a:fld id="{8A427335-60D6-432E-93D4-C3A22825129E}" type="slidenum">
+            <a:fld id="{79AAF0B1-4812-4D04-8A7A-74AC8F5B54D6}" type="slidenum">
               <a:rPr b="0" lang="en-US" sz="1200" spc="-1" strike="noStrike">
                 <a:solidFill>
                   <a:srgbClr val="000000"/>
@@ -5861,7 +5861,7 @@
         <p:spPr>
           <a:xfrm>
             <a:off x="380880" y="685800"/>
-            <a:ext cx="6090480" cy="3423600"/>
+            <a:ext cx="6090120" cy="3423240"/>
           </a:xfrm>
           <a:prstGeom prst="rect">
             <a:avLst/>
@@ -5884,7 +5884,7 @@
         <p:spPr>
           <a:xfrm>
             <a:off x="685800" y="4343400"/>
-            <a:ext cx="5481000" cy="4109400"/>
+            <a:ext cx="5480640" cy="4109040"/>
           </a:xfrm>
           <a:prstGeom prst="rect">
             <a:avLst/>
@@ -5918,7 +5918,7 @@
         <p:spPr>
           <a:xfrm>
             <a:off x="3884760" y="8685360"/>
-            <a:ext cx="2966400" cy="451800"/>
+            <a:ext cx="2966040" cy="451440"/>
           </a:xfrm>
           <a:prstGeom prst="rect">
             <a:avLst/>
@@ -5954,7 +5954,7 @@
               </a:lnSpc>
               <a:buNone/>
             </a:pPr>
-            <a:fld id="{32C2E14E-69C6-4A27-9CB5-88B8324BEE2A}" type="slidenum">
+            <a:fld id="{D246B8A1-2FCD-4421-9403-6760C6603D0A}" type="slidenum">
               <a:rPr b="0" lang="en-US" sz="1200" spc="-1" strike="noStrike">
                 <a:solidFill>
                   <a:srgbClr val="000000"/>
@@ -6005,7 +6005,7 @@
         <p:spPr>
           <a:xfrm>
             <a:off x="380880" y="685800"/>
-            <a:ext cx="6090480" cy="3423600"/>
+            <a:ext cx="6090120" cy="3423240"/>
           </a:xfrm>
           <a:prstGeom prst="rect">
             <a:avLst/>
@@ -6028,7 +6028,7 @@
         <p:spPr>
           <a:xfrm>
             <a:off x="685800" y="4343400"/>
-            <a:ext cx="5481000" cy="4109400"/>
+            <a:ext cx="5480640" cy="4109040"/>
           </a:xfrm>
           <a:prstGeom prst="rect">
             <a:avLst/>
@@ -6062,7 +6062,7 @@
         <p:spPr>
           <a:xfrm>
             <a:off x="3884760" y="8685360"/>
-            <a:ext cx="2966400" cy="451800"/>
+            <a:ext cx="2966040" cy="451440"/>
           </a:xfrm>
           <a:prstGeom prst="rect">
             <a:avLst/>
@@ -6098,7 +6098,7 @@
               </a:lnSpc>
               <a:buNone/>
             </a:pPr>
-            <a:fld id="{B26128D1-2708-4B40-80D3-1C5BD565CBE7}" type="slidenum">
+            <a:fld id="{83D20FA4-BAC2-4EB5-98C5-15FC3E39A6FA}" type="slidenum">
               <a:rPr b="0" lang="en-US" sz="1200" spc="-1" strike="noStrike">
                 <a:solidFill>
                   <a:srgbClr val="000000"/>
@@ -6149,7 +6149,7 @@
         <p:spPr>
           <a:xfrm>
             <a:off x="380880" y="685800"/>
-            <a:ext cx="6090480" cy="3423600"/>
+            <a:ext cx="6090120" cy="3423240"/>
           </a:xfrm>
           <a:prstGeom prst="rect">
             <a:avLst/>
@@ -6172,7 +6172,7 @@
         <p:spPr>
           <a:xfrm>
             <a:off x="685800" y="4343400"/>
-            <a:ext cx="5481000" cy="4109400"/>
+            <a:ext cx="5480640" cy="4109040"/>
           </a:xfrm>
           <a:prstGeom prst="rect">
             <a:avLst/>
@@ -6206,7 +6206,7 @@
         <p:spPr>
           <a:xfrm>
             <a:off x="3884760" y="8685360"/>
-            <a:ext cx="2966400" cy="451800"/>
+            <a:ext cx="2966040" cy="451440"/>
           </a:xfrm>
           <a:prstGeom prst="rect">
             <a:avLst/>
@@ -6242,7 +6242,7 @@
               </a:lnSpc>
               <a:buNone/>
             </a:pPr>
-            <a:fld id="{330D8519-976D-4260-9FED-DA9A994052A2}" type="slidenum">
+            <a:fld id="{894BABA0-507D-40CB-AFBA-6803C647004F}" type="slidenum">
               <a:rPr b="0" lang="en-US" sz="1200" spc="-1" strike="noStrike">
                 <a:solidFill>
                   <a:srgbClr val="000000"/>
@@ -6293,7 +6293,7 @@
         <p:spPr>
           <a:xfrm>
             <a:off x="380880" y="685800"/>
-            <a:ext cx="6090480" cy="3423600"/>
+            <a:ext cx="6090120" cy="3423240"/>
           </a:xfrm>
           <a:prstGeom prst="rect">
             <a:avLst/>
@@ -6316,7 +6316,7 @@
         <p:spPr>
           <a:xfrm>
             <a:off x="685800" y="4343400"/>
-            <a:ext cx="5481000" cy="4109400"/>
+            <a:ext cx="5480640" cy="4109040"/>
           </a:xfrm>
           <a:prstGeom prst="rect">
             <a:avLst/>
@@ -6350,7 +6350,7 @@
         <p:spPr>
           <a:xfrm>
             <a:off x="3884760" y="8685360"/>
-            <a:ext cx="2966400" cy="451800"/>
+            <a:ext cx="2966040" cy="451440"/>
           </a:xfrm>
           <a:prstGeom prst="rect">
             <a:avLst/>
@@ -6386,7 +6386,7 @@
               </a:lnSpc>
               <a:buNone/>
             </a:pPr>
-            <a:fld id="{DCED7890-E085-4062-B2C3-1F9647ADA511}" type="slidenum">
+            <a:fld id="{01031A3B-18A9-4AC5-91AE-2AF1E1BA1B15}" type="slidenum">
               <a:rPr b="0" lang="en-US" sz="1200" spc="-1" strike="noStrike">
                 <a:solidFill>
                   <a:srgbClr val="000000"/>
@@ -6437,7 +6437,7 @@
         <p:spPr>
           <a:xfrm>
             <a:off x="380880" y="685800"/>
-            <a:ext cx="6090480" cy="3423600"/>
+            <a:ext cx="6090120" cy="3423240"/>
           </a:xfrm>
           <a:prstGeom prst="rect">
             <a:avLst/>
@@ -6460,7 +6460,7 @@
         <p:spPr>
           <a:xfrm>
             <a:off x="685800" y="4343400"/>
-            <a:ext cx="5481000" cy="4109400"/>
+            <a:ext cx="5480640" cy="4109040"/>
           </a:xfrm>
           <a:prstGeom prst="rect">
             <a:avLst/>
@@ -6494,7 +6494,7 @@
         <p:spPr>
           <a:xfrm>
             <a:off x="3884760" y="8685360"/>
-            <a:ext cx="2966400" cy="451800"/>
+            <a:ext cx="2966040" cy="451440"/>
           </a:xfrm>
           <a:prstGeom prst="rect">
             <a:avLst/>
@@ -6530,7 +6530,7 @@
               </a:lnSpc>
               <a:buNone/>
             </a:pPr>
-            <a:fld id="{F3072AD5-EC5A-4151-BDF4-3C6F4875E4C5}" type="slidenum">
+            <a:fld id="{72939BDC-FFBE-45EE-8315-F6AC726804B9}" type="slidenum">
               <a:rPr b="0" lang="en-US" sz="1200" spc="-1" strike="noStrike">
                 <a:solidFill>
                   <a:srgbClr val="000000"/>
@@ -6581,7 +6581,7 @@
         <p:spPr>
           <a:xfrm>
             <a:off x="380880" y="685800"/>
-            <a:ext cx="6090480" cy="3423600"/>
+            <a:ext cx="6090120" cy="3423240"/>
           </a:xfrm>
           <a:prstGeom prst="rect">
             <a:avLst/>
@@ -6604,7 +6604,7 @@
         <p:spPr>
           <a:xfrm>
             <a:off x="685800" y="4343400"/>
-            <a:ext cx="5481000" cy="4109400"/>
+            <a:ext cx="5480640" cy="4109040"/>
           </a:xfrm>
           <a:prstGeom prst="rect">
             <a:avLst/>
@@ -6638,7 +6638,7 @@
         <p:spPr>
           <a:xfrm>
             <a:off x="3884760" y="8685360"/>
-            <a:ext cx="2966400" cy="451800"/>
+            <a:ext cx="2966040" cy="451440"/>
           </a:xfrm>
           <a:prstGeom prst="rect">
             <a:avLst/>
@@ -6674,7 +6674,7 @@
               </a:lnSpc>
               <a:buNone/>
             </a:pPr>
-            <a:fld id="{98F31623-4675-492B-926F-E4A27B6F46A2}" type="slidenum">
+            <a:fld id="{F734725D-7707-4F7D-94D2-342F4B1F6A22}" type="slidenum">
               <a:rPr b="0" lang="en-US" sz="1200" spc="-1" strike="noStrike">
                 <a:solidFill>
                   <a:srgbClr val="000000"/>
@@ -6725,7 +6725,7 @@
         <p:spPr>
           <a:xfrm>
             <a:off x="380880" y="685800"/>
-            <a:ext cx="6090480" cy="3423600"/>
+            <a:ext cx="6090120" cy="3423240"/>
           </a:xfrm>
           <a:prstGeom prst="rect">
             <a:avLst/>
@@ -6748,7 +6748,7 @@
         <p:spPr>
           <a:xfrm>
             <a:off x="685800" y="4343400"/>
-            <a:ext cx="5481000" cy="4109400"/>
+            <a:ext cx="5480640" cy="4109040"/>
           </a:xfrm>
           <a:prstGeom prst="rect">
             <a:avLst/>
@@ -6782,7 +6782,7 @@
         <p:spPr>
           <a:xfrm>
             <a:off x="3884760" y="8685360"/>
-            <a:ext cx="2966400" cy="451800"/>
+            <a:ext cx="2966040" cy="451440"/>
           </a:xfrm>
           <a:prstGeom prst="rect">
             <a:avLst/>
@@ -6818,7 +6818,7 @@
               </a:lnSpc>
               <a:buNone/>
             </a:pPr>
-            <a:fld id="{924CC70C-7561-4FFC-9224-336257E27EBE}" type="slidenum">
+            <a:fld id="{DBE0A3E6-FA62-4CCA-9EA8-6463D5130381}" type="slidenum">
               <a:rPr b="0" lang="en-US" sz="1200" spc="-1" strike="noStrike">
                 <a:solidFill>
                   <a:srgbClr val="000000"/>
@@ -6869,7 +6869,7 @@
         <p:spPr>
           <a:xfrm>
             <a:off x="380880" y="685800"/>
-            <a:ext cx="6090480" cy="3423600"/>
+            <a:ext cx="6090120" cy="3423240"/>
           </a:xfrm>
           <a:prstGeom prst="rect">
             <a:avLst/>
@@ -6892,7 +6892,7 @@
         <p:spPr>
           <a:xfrm>
             <a:off x="685800" y="4343400"/>
-            <a:ext cx="5481000" cy="4109400"/>
+            <a:ext cx="5480640" cy="4109040"/>
           </a:xfrm>
           <a:prstGeom prst="rect">
             <a:avLst/>
@@ -6926,7 +6926,7 @@
         <p:spPr>
           <a:xfrm>
             <a:off x="3884760" y="8685360"/>
-            <a:ext cx="2966400" cy="451800"/>
+            <a:ext cx="2966040" cy="451440"/>
           </a:xfrm>
           <a:prstGeom prst="rect">
             <a:avLst/>
@@ -6962,7 +6962,7 @@
               </a:lnSpc>
               <a:buNone/>
             </a:pPr>
-            <a:fld id="{6D040479-6DCB-4F2E-9EB0-9AC5168C4E0A}" type="slidenum">
+            <a:fld id="{800067C4-A045-40C3-AC3B-277208CCA466}" type="slidenum">
               <a:rPr b="0" lang="en-US" sz="1200" spc="-1" strike="noStrike">
                 <a:solidFill>
                   <a:srgbClr val="000000"/>
@@ -7013,7 +7013,7 @@
         <p:spPr>
           <a:xfrm>
             <a:off x="380880" y="685800"/>
-            <a:ext cx="6090480" cy="3423600"/>
+            <a:ext cx="6090120" cy="3423240"/>
           </a:xfrm>
           <a:prstGeom prst="rect">
             <a:avLst/>
@@ -7036,7 +7036,7 @@
         <p:spPr>
           <a:xfrm>
             <a:off x="685800" y="4343400"/>
-            <a:ext cx="5481000" cy="4109400"/>
+            <a:ext cx="5480640" cy="4109040"/>
           </a:xfrm>
           <a:prstGeom prst="rect">
             <a:avLst/>
@@ -7070,7 +7070,7 @@
         <p:spPr>
           <a:xfrm>
             <a:off x="3884760" y="8685360"/>
-            <a:ext cx="2966400" cy="451800"/>
+            <a:ext cx="2966040" cy="451440"/>
           </a:xfrm>
           <a:prstGeom prst="rect">
             <a:avLst/>
@@ -7106,7 +7106,7 @@
               </a:lnSpc>
               <a:buNone/>
             </a:pPr>
-            <a:fld id="{82CA3DA3-32D7-48D0-A6CF-848153DB2091}" type="slidenum">
+            <a:fld id="{E81A72D5-7685-4274-8253-AF022D69AF5C}" type="slidenum">
               <a:rPr b="0" lang="en-US" sz="1200" spc="-1" strike="noStrike">
                 <a:solidFill>
                   <a:srgbClr val="000000"/>
@@ -7157,7 +7157,7 @@
         <p:spPr>
           <a:xfrm>
             <a:off x="380880" y="685800"/>
-            <a:ext cx="6090480" cy="3423600"/>
+            <a:ext cx="6090120" cy="3423240"/>
           </a:xfrm>
           <a:prstGeom prst="rect">
             <a:avLst/>
@@ -7180,7 +7180,7 @@
         <p:spPr>
           <a:xfrm>
             <a:off x="685800" y="4343400"/>
-            <a:ext cx="5481000" cy="4109400"/>
+            <a:ext cx="5480640" cy="4109040"/>
           </a:xfrm>
           <a:prstGeom prst="rect">
             <a:avLst/>
@@ -7214,7 +7214,7 @@
         <p:spPr>
           <a:xfrm>
             <a:off x="3884760" y="8685360"/>
-            <a:ext cx="2966400" cy="451800"/>
+            <a:ext cx="2966040" cy="451440"/>
           </a:xfrm>
           <a:prstGeom prst="rect">
             <a:avLst/>
@@ -7250,7 +7250,7 @@
               </a:lnSpc>
               <a:buNone/>
             </a:pPr>
-            <a:fld id="{6171E9B9-C397-4D4E-A781-090AFFEEAF5E}" type="slidenum">
+            <a:fld id="{0504BC94-432B-4116-91FD-0921B7B46D03}" type="slidenum">
               <a:rPr b="0" lang="en-US" sz="1200" spc="-1" strike="noStrike">
                 <a:solidFill>
                   <a:srgbClr val="000000"/>
@@ -7301,7 +7301,7 @@
         <p:spPr>
           <a:xfrm>
             <a:off x="380880" y="685800"/>
-            <a:ext cx="6090480" cy="3423600"/>
+            <a:ext cx="6090120" cy="3423240"/>
           </a:xfrm>
           <a:prstGeom prst="rect">
             <a:avLst/>
@@ -7324,7 +7324,7 @@
         <p:spPr>
           <a:xfrm>
             <a:off x="685800" y="4343400"/>
-            <a:ext cx="5481000" cy="4109400"/>
+            <a:ext cx="5480640" cy="4109040"/>
           </a:xfrm>
           <a:prstGeom prst="rect">
             <a:avLst/>
@@ -7358,7 +7358,7 @@
         <p:spPr>
           <a:xfrm>
             <a:off x="3884760" y="8685360"/>
-            <a:ext cx="2966400" cy="451800"/>
+            <a:ext cx="2966040" cy="451440"/>
           </a:xfrm>
           <a:prstGeom prst="rect">
             <a:avLst/>
@@ -7394,7 +7394,7 @@
               </a:lnSpc>
               <a:buNone/>
             </a:pPr>
-            <a:fld id="{CC839039-8E48-4F6B-B1F2-A8267918B597}" type="slidenum">
+            <a:fld id="{62E949CB-2CD2-4476-8875-9E840B83BC19}" type="slidenum">
               <a:rPr b="0" lang="en-US" sz="1200" spc="-1" strike="noStrike">
                 <a:solidFill>
                   <a:srgbClr val="000000"/>
@@ -7445,7 +7445,7 @@
         <p:spPr>
           <a:xfrm>
             <a:off x="380880" y="685800"/>
-            <a:ext cx="6090480" cy="3423600"/>
+            <a:ext cx="6090120" cy="3423240"/>
           </a:xfrm>
           <a:prstGeom prst="rect">
             <a:avLst/>
@@ -7468,7 +7468,7 @@
         <p:spPr>
           <a:xfrm>
             <a:off x="685800" y="4343400"/>
-            <a:ext cx="5481000" cy="4109400"/>
+            <a:ext cx="5480640" cy="4109040"/>
           </a:xfrm>
           <a:prstGeom prst="rect">
             <a:avLst/>
@@ -7502,7 +7502,7 @@
         <p:spPr>
           <a:xfrm>
             <a:off x="3884760" y="8685360"/>
-            <a:ext cx="2966400" cy="451800"/>
+            <a:ext cx="2966040" cy="451440"/>
           </a:xfrm>
           <a:prstGeom prst="rect">
             <a:avLst/>
@@ -7538,7 +7538,7 @@
               </a:lnSpc>
               <a:buNone/>
             </a:pPr>
-            <a:fld id="{D075F047-1601-423F-9DB9-078E4E8C1376}" type="slidenum">
+            <a:fld id="{EFD91FDC-229D-48BF-9749-89DE8A59B205}" type="slidenum">
               <a:rPr b="0" lang="en-US" sz="1200" spc="-1" strike="noStrike">
                 <a:solidFill>
                   <a:srgbClr val="000000"/>
@@ -7610,7 +7610,7 @@
         <p:txBody>
           <a:bodyPr/>
           <a:p>
-            <a:fld id="{515191F8-013B-44C1-8A33-749F6A920528}" type="slidenum">
+            <a:fld id="{3296C9D0-FE44-4A9F-9023-5149D75D68CD}" type="slidenum">
               <a:t>&lt;#&gt;</a:t>
             </a:fld>
           </a:p>
@@ -7798,7 +7798,7 @@
         <p:txBody>
           <a:bodyPr/>
           <a:p>
-            <a:fld id="{E221D443-F024-4D08-B4A4-EBCAF7FD4220}" type="slidenum">
+            <a:fld id="{92F547DC-AE4F-40C5-8A9B-D35CB09EBD59}" type="slidenum">
               <a:t>&lt;#&gt;</a:t>
             </a:fld>
           </a:p>
@@ -8054,7 +8054,7 @@
         <p:txBody>
           <a:bodyPr/>
           <a:p>
-            <a:fld id="{F03BDEA0-F64B-4206-A20C-84B7F5969A45}" type="slidenum">
+            <a:fld id="{A493DEA3-D7B4-481E-A5DB-A7A9D49B0F67}" type="slidenum">
               <a:t>&lt;#&gt;</a:t>
             </a:fld>
           </a:p>
@@ -8378,7 +8378,7 @@
         <p:txBody>
           <a:bodyPr/>
           <a:p>
-            <a:fld id="{70041783-30DA-4D42-BF89-94C8EC441E70}" type="slidenum">
+            <a:fld id="{9832A325-8330-43CF-91BD-06AACE380B44}" type="slidenum">
               <a:t>&lt;#&gt;</a:t>
             </a:fld>
           </a:p>
@@ -8535,7 +8535,7 @@
         <p:txBody>
           <a:bodyPr/>
           <a:p>
-            <a:fld id="{0F9D18C3-FF05-421C-905A-BA27E86B8D72}" type="slidenum">
+            <a:fld id="{8A915280-0B1D-43BF-A6B3-8B698AD9BDCF}" type="slidenum">
               <a:t>&lt;#&gt;</a:t>
             </a:fld>
           </a:p>
@@ -8689,7 +8689,7 @@
         <p:txBody>
           <a:bodyPr/>
           <a:p>
-            <a:fld id="{89AA99CD-8D6A-4AF5-9BB7-BFBD704F1CFB}" type="slidenum">
+            <a:fld id="{3A6A45BF-28CD-451F-BAA6-320CC6279A35}" type="slidenum">
               <a:t>&lt;#&gt;</a:t>
             </a:fld>
           </a:p>
@@ -8877,7 +8877,7 @@
         <p:txBody>
           <a:bodyPr/>
           <a:p>
-            <a:fld id="{98BA02A4-8689-4BFA-9D2D-1EAD387F163A}" type="slidenum">
+            <a:fld id="{83E12138-B4D8-4EC7-AE38-698AD7177046}" type="slidenum">
               <a:t>&lt;#&gt;</a:t>
             </a:fld>
           </a:p>
@@ -8997,7 +8997,7 @@
         <p:txBody>
           <a:bodyPr/>
           <a:p>
-            <a:fld id="{91F9102A-F99F-4594-8DF3-D82A7D064DBC}" type="slidenum">
+            <a:fld id="{E51B2449-4A45-4CBE-8816-DE2121511523}" type="slidenum">
               <a:t>&lt;#&gt;</a:t>
             </a:fld>
           </a:p>
@@ -9117,7 +9117,7 @@
         <p:txBody>
           <a:bodyPr/>
           <a:p>
-            <a:fld id="{0F1C2FE1-2750-4AC6-82CB-E9743E005DAB}" type="slidenum">
+            <a:fld id="{1AEB7151-1A71-4012-A8EC-6BE4BF4BAF63}" type="slidenum">
               <a:t>&lt;#&gt;</a:t>
             </a:fld>
           </a:p>
@@ -9339,7 +9339,7 @@
         <p:txBody>
           <a:bodyPr/>
           <a:p>
-            <a:fld id="{8E828BDE-F327-475E-99AA-2F0FB86E85D3}" type="slidenum">
+            <a:fld id="{E6121ED8-F934-4079-9F2E-C72577665CC6}" type="slidenum">
               <a:t>&lt;#&gt;</a:t>
             </a:fld>
           </a:p>
@@ -9561,7 +9561,7 @@
         <p:txBody>
           <a:bodyPr/>
           <a:p>
-            <a:fld id="{0C2AA809-CE2B-4D92-A6B6-625AE3F5BEA6}" type="slidenum">
+            <a:fld id="{AC4638ED-7CFF-4E95-B2EA-930C38301735}" type="slidenum">
               <a:t>&lt;#&gt;</a:t>
             </a:fld>
           </a:p>
@@ -9783,7 +9783,7 @@
         <p:txBody>
           <a:bodyPr/>
           <a:p>
-            <a:fld id="{F6553596-4DBF-4DE8-9F18-7F8C520FE367}" type="slidenum">
+            <a:fld id="{009AAB7C-68A4-495F-9333-E828A88C833A}" type="slidenum">
               <a:t>&lt;#&gt;</a:t>
             </a:fld>
           </a:p>
@@ -9852,7 +9852,7 @@
         <p:spPr>
           <a:xfrm>
             <a:off x="3028680" y="4771440"/>
-            <a:ext cx="3081240" cy="269280"/>
+            <a:ext cx="3080880" cy="268920"/>
           </a:xfrm>
           <a:prstGeom prst="rect">
             <a:avLst/>
@@ -9917,7 +9917,7 @@
         <p:spPr>
           <a:xfrm>
             <a:off x="6457680" y="4771440"/>
-            <a:ext cx="2052720" cy="269280"/>
+            <a:ext cx="2052360" cy="268920"/>
           </a:xfrm>
           <a:prstGeom prst="rect">
             <a:avLst/>
@@ -9953,7 +9953,7 @@
               </a:lnSpc>
               <a:buNone/>
             </a:pPr>
-            <a:fld id="{463999F4-061E-49E8-859C-173893D12FBF}" type="slidenum">
+            <a:fld id="{1761D609-969C-4E12-AA62-19683C3F5F2A}" type="slidenum">
               <a:rPr b="0" lang="en-US" sz="1200" spc="-1" strike="noStrike">
                 <a:solidFill>
                   <a:srgbClr val="8b8b8b"/>
@@ -9982,7 +9982,7 @@
         <p:spPr>
           <a:xfrm>
             <a:off x="628200" y="4771440"/>
-            <a:ext cx="2052720" cy="269280"/>
+            <a:ext cx="2052360" cy="268920"/>
           </a:xfrm>
           <a:prstGeom prst="rect">
             <a:avLst/>
@@ -10294,8 +10294,8 @@
         </p:nvSpPr>
         <p:spPr>
           <a:xfrm rot="2744400">
-            <a:off x="-279720" y="-25560"/>
-            <a:ext cx="703440" cy="703080"/>
+            <a:off x="-279360" y="-25560"/>
+            <a:ext cx="703080" cy="702720"/>
           </a:xfrm>
           <a:prstGeom prst="roundRect">
             <a:avLst>
@@ -10332,8 +10332,8 @@
         </p:nvSpPr>
         <p:spPr>
           <a:xfrm rot="2625600">
-            <a:off x="6024960" y="4332240"/>
-            <a:ext cx="467280" cy="467280"/>
+            <a:off x="6024960" y="4331880"/>
+            <a:ext cx="466920" cy="466920"/>
           </a:xfrm>
           <a:prstGeom prst="roundRect">
             <a:avLst>
@@ -10370,8 +10370,8 @@
         </p:nvSpPr>
         <p:spPr>
           <a:xfrm rot="18679200">
-            <a:off x="7003080" y="948600"/>
-            <a:ext cx="4938840" cy="4665240"/>
+            <a:off x="7002720" y="948600"/>
+            <a:ext cx="4938480" cy="4664880"/>
           </a:xfrm>
           <a:prstGeom prst="roundRect">
             <a:avLst>
@@ -10409,7 +10409,7 @@
         <p:spPr>
           <a:xfrm>
             <a:off x="459720" y="4671360"/>
-            <a:ext cx="2994480" cy="265320"/>
+            <a:ext cx="2994120" cy="264960"/>
           </a:xfrm>
           <a:prstGeom prst="rect">
             <a:avLst/>
@@ -10474,8 +10474,8 @@
         </p:blipFill>
         <p:spPr>
           <a:xfrm>
-            <a:off x="2423160" y="4671720"/>
-            <a:ext cx="286920" cy="286920"/>
+            <a:off x="3035160" y="4743720"/>
+            <a:ext cx="286560" cy="286560"/>
           </a:xfrm>
           <a:prstGeom prst="rect">
             <a:avLst/>
@@ -10494,7 +10494,7 @@
         <p:spPr>
           <a:xfrm>
             <a:off x="484920" y="1681560"/>
-            <a:ext cx="5479920" cy="1881360"/>
+            <a:ext cx="5479560" cy="1881000"/>
           </a:xfrm>
           <a:prstGeom prst="rect">
             <a:avLst/>
@@ -10582,8 +10582,8 @@
         </p:nvSpPr>
         <p:spPr>
           <a:xfrm rot="2744400">
-            <a:off x="-279720" y="-25560"/>
-            <a:ext cx="703440" cy="703080"/>
+            <a:off x="-279360" y="-25560"/>
+            <a:ext cx="703080" cy="702720"/>
           </a:xfrm>
           <a:prstGeom prst="roundRect">
             <a:avLst>
@@ -10620,8 +10620,8 @@
         </p:nvSpPr>
         <p:spPr>
           <a:xfrm rot="2332200">
-            <a:off x="6009120" y="-319680"/>
-            <a:ext cx="4854600" cy="7725600"/>
+            <a:off x="6009120" y="-319320"/>
+            <a:ext cx="4854240" cy="7725240"/>
           </a:xfrm>
           <a:prstGeom prst="roundRect">
             <a:avLst>
@@ -10659,9 +10659,9 @@
         <p:grpSpPr>
           <a:xfrm>
             <a:off x="4571640" y="828000"/>
-            <a:ext cx="4467240" cy="3563280"/>
+            <a:ext cx="4466880" cy="3562920"/>
             <a:chOff x="4571640" y="828000"/>
-            <a:chExt cx="4467240" cy="3563280"/>
+            <a:chExt cx="4466880" cy="3562920"/>
           </a:xfrm>
         </p:grpSpPr>
         <p:pic>
@@ -10677,7 +10677,7 @@
           <p:spPr>
             <a:xfrm>
               <a:off x="4571640" y="828000"/>
-              <a:ext cx="4467240" cy="3563280"/>
+              <a:ext cx="4466880" cy="3562920"/>
             </a:xfrm>
             <a:prstGeom prst="rect">
               <a:avLst/>
@@ -10695,8 +10695,8 @@
           </p:nvSpPr>
           <p:spPr>
             <a:xfrm rot="16200000">
-              <a:off x="5962680" y="1159920"/>
-              <a:ext cx="1736280" cy="2770200"/>
+              <a:off x="5962680" y="1160280"/>
+              <a:ext cx="1735920" cy="2769840"/>
             </a:xfrm>
             <a:prstGeom prst="roundRect">
               <a:avLst>
@@ -10763,7 +10763,7 @@
         <p:spPr>
           <a:xfrm>
             <a:off x="5446080" y="1672200"/>
-            <a:ext cx="2769840" cy="1736280"/>
+            <a:ext cx="2769480" cy="1735920"/>
           </a:xfrm>
           <a:prstGeom prst="rect">
             <a:avLst/>
@@ -10815,7 +10815,7 @@
         <p:spPr>
           <a:xfrm>
             <a:off x="586440" y="1246680"/>
-            <a:ext cx="4003200" cy="3598920"/>
+            <a:ext cx="4002840" cy="3598560"/>
           </a:xfrm>
           <a:prstGeom prst="rect">
             <a:avLst/>
@@ -10867,7 +10867,7 @@
         <p:spPr>
           <a:xfrm>
             <a:off x="586440" y="453960"/>
-            <a:ext cx="4763160" cy="854280"/>
+            <a:ext cx="4762800" cy="853920"/>
           </a:xfrm>
           <a:prstGeom prst="rect">
             <a:avLst/>
@@ -10955,8 +10955,8 @@
         </p:nvSpPr>
         <p:spPr>
           <a:xfrm rot="2745600">
-            <a:off x="8349840" y="-667800"/>
-            <a:ext cx="1497240" cy="1497240"/>
+            <a:off x="8350200" y="-667800"/>
+            <a:ext cx="1496880" cy="1496880"/>
           </a:xfrm>
           <a:prstGeom prst="roundRect">
             <a:avLst>
@@ -10993,8 +10993,8 @@
         </p:nvSpPr>
         <p:spPr>
           <a:xfrm rot="2745600">
-            <a:off x="7634160" y="-322200"/>
-            <a:ext cx="806040" cy="806400"/>
+            <a:off x="7634160" y="-321840"/>
+            <a:ext cx="805680" cy="806040"/>
           </a:xfrm>
           <a:prstGeom prst="roundRect">
             <a:avLst>
@@ -11033,7 +11033,7 @@
         <p:spPr>
           <a:xfrm>
             <a:off x="586440" y="899640"/>
-            <a:ext cx="7930800" cy="1536120"/>
+            <a:ext cx="7930440" cy="1535760"/>
           </a:xfrm>
           <a:prstGeom prst="rect">
             <a:avLst/>
@@ -11085,7 +11085,7 @@
         <p:spPr>
           <a:xfrm>
             <a:off x="608040" y="2545560"/>
-            <a:ext cx="3711240" cy="2254680"/>
+            <a:ext cx="3710880" cy="2254320"/>
           </a:xfrm>
           <a:prstGeom prst="rect">
             <a:avLst/>
@@ -11137,7 +11137,7 @@
         <p:spPr>
           <a:xfrm>
             <a:off x="4806360" y="2545560"/>
-            <a:ext cx="3711240" cy="2254680"/>
+            <a:ext cx="3710880" cy="2254320"/>
           </a:xfrm>
           <a:prstGeom prst="rect">
             <a:avLst/>
@@ -11189,7 +11189,7 @@
         <p:spPr>
           <a:xfrm>
             <a:off x="583200" y="450720"/>
-            <a:ext cx="7197120" cy="511200"/>
+            <a:ext cx="7196760" cy="510840"/>
           </a:xfrm>
           <a:prstGeom prst="rect">
             <a:avLst/>
@@ -11271,7 +11271,7 @@
         <p:spPr>
           <a:xfrm>
             <a:off x="586440" y="1246680"/>
-            <a:ext cx="4003200" cy="3598920"/>
+            <a:ext cx="4002840" cy="3598560"/>
           </a:xfrm>
           <a:prstGeom prst="rect">
             <a:avLst/>
@@ -11323,7 +11323,7 @@
         <p:spPr>
           <a:xfrm>
             <a:off x="559800" y="446040"/>
-            <a:ext cx="4282560" cy="682560"/>
+            <a:ext cx="4282200" cy="682200"/>
           </a:xfrm>
           <a:prstGeom prst="rect">
             <a:avLst/>
@@ -11375,7 +11375,7 @@
         <p:spPr>
           <a:xfrm>
             <a:off x="5097600" y="360"/>
-            <a:ext cx="4378680" cy="5142960"/>
+            <a:ext cx="4378320" cy="5142600"/>
           </a:xfrm>
           <a:prstGeom prst="roundRect">
             <a:avLst>
@@ -11440,8 +11440,8 @@
         </p:nvSpPr>
         <p:spPr>
           <a:xfrm rot="2744400">
-            <a:off x="-279720" y="-25560"/>
-            <a:ext cx="703440" cy="703080"/>
+            <a:off x="-279360" y="-25560"/>
+            <a:ext cx="703080" cy="702720"/>
           </a:xfrm>
           <a:prstGeom prst="roundRect">
             <a:avLst>
@@ -11478,8 +11478,8 @@
         </p:nvSpPr>
         <p:spPr>
           <a:xfrm rot="2625600">
-            <a:off x="4861080" y="4146120"/>
-            <a:ext cx="467280" cy="467280"/>
+            <a:off x="4861080" y="4145760"/>
+            <a:ext cx="466920" cy="466920"/>
           </a:xfrm>
           <a:prstGeom prst="roundRect">
             <a:avLst>
@@ -11553,8 +11553,8 @@
         </p:nvSpPr>
         <p:spPr>
           <a:xfrm rot="2744400">
-            <a:off x="-348840" y="4539240"/>
-            <a:ext cx="703440" cy="703080"/>
+            <a:off x="-348480" y="4538880"/>
+            <a:ext cx="703080" cy="702720"/>
           </a:xfrm>
           <a:prstGeom prst="roundRect">
             <a:avLst>
@@ -11591,8 +11591,8 @@
         </p:nvSpPr>
         <p:spPr>
           <a:xfrm rot="19228200">
-            <a:off x="5845680" y="-2265480"/>
-            <a:ext cx="4854240" cy="7725240"/>
+            <a:off x="5845320" y="-2265120"/>
+            <a:ext cx="4853880" cy="7724880"/>
           </a:xfrm>
           <a:prstGeom prst="roundRect">
             <a:avLst>
@@ -11630,9 +11630,9 @@
         <p:grpSpPr>
           <a:xfrm>
             <a:off x="4571640" y="828000"/>
-            <a:ext cx="4467240" cy="3563280"/>
+            <a:ext cx="4466880" cy="3562920"/>
             <a:chOff x="4571640" y="828000"/>
-            <a:chExt cx="4467240" cy="3563280"/>
+            <a:chExt cx="4466880" cy="3562920"/>
           </a:xfrm>
         </p:grpSpPr>
         <p:pic>
@@ -11648,7 +11648,7 @@
           <p:spPr>
             <a:xfrm>
               <a:off x="4571640" y="828000"/>
-              <a:ext cx="4467240" cy="3563280"/>
+              <a:ext cx="4466880" cy="3562920"/>
             </a:xfrm>
             <a:prstGeom prst="rect">
               <a:avLst/>
@@ -11666,8 +11666,8 @@
           </p:nvSpPr>
           <p:spPr>
             <a:xfrm rot="16200000">
-              <a:off x="5962680" y="1159920"/>
-              <a:ext cx="1736280" cy="2770200"/>
+              <a:off x="5962680" y="1160280"/>
+              <a:ext cx="1735920" cy="2769840"/>
             </a:xfrm>
             <a:prstGeom prst="roundRect">
               <a:avLst>
@@ -11734,7 +11734,7 @@
         <p:spPr>
           <a:xfrm>
             <a:off x="586440" y="1246680"/>
-            <a:ext cx="4003200" cy="3598920"/>
+            <a:ext cx="4002840" cy="3598560"/>
           </a:xfrm>
           <a:prstGeom prst="rect">
             <a:avLst/>
@@ -11786,7 +11786,7 @@
         <p:spPr>
           <a:xfrm>
             <a:off x="5446080" y="1672200"/>
-            <a:ext cx="2779200" cy="1736280"/>
+            <a:ext cx="2778840" cy="1735920"/>
           </a:xfrm>
           <a:prstGeom prst="rect">
             <a:avLst/>
@@ -11838,7 +11838,7 @@
         <p:spPr>
           <a:xfrm>
             <a:off x="586440" y="453960"/>
-            <a:ext cx="3695760" cy="854280"/>
+            <a:ext cx="3695400" cy="853920"/>
           </a:xfrm>
           <a:prstGeom prst="rect">
             <a:avLst/>
@@ -11927,7 +11927,7 @@
         <p:spPr>
           <a:xfrm>
             <a:off x="4222080" y="1246680"/>
-            <a:ext cx="4114080" cy="3598920"/>
+            <a:ext cx="4113720" cy="3598560"/>
           </a:xfrm>
           <a:prstGeom prst="rect">
             <a:avLst/>
@@ -11978,8 +11978,8 @@
         </p:nvSpPr>
         <p:spPr>
           <a:xfrm rot="16200000">
-            <a:off x="-2181600" y="1734480"/>
-            <a:ext cx="5142960" cy="1683000"/>
+            <a:off x="-2181600" y="1734840"/>
+            <a:ext cx="5142600" cy="1682640"/>
           </a:xfrm>
           <a:prstGeom prst="roundRect">
             <a:avLst>
@@ -12016,8 +12016,8 @@
         </p:nvSpPr>
         <p:spPr>
           <a:xfrm rot="2745000">
-            <a:off x="8575200" y="102960"/>
-            <a:ext cx="1131480" cy="1131120"/>
+            <a:off x="8575200" y="102600"/>
+            <a:ext cx="1131120" cy="1130760"/>
           </a:xfrm>
           <a:prstGeom prst="roundRect">
             <a:avLst>
@@ -12054,8 +12054,8 @@
         </p:nvSpPr>
         <p:spPr>
           <a:xfrm rot="16200000">
-            <a:off x="614880" y="919800"/>
-            <a:ext cx="3231000" cy="3312720"/>
+            <a:off x="614880" y="920160"/>
+            <a:ext cx="3230640" cy="3312360"/>
           </a:xfrm>
           <a:prstGeom prst="roundRect">
             <a:avLst>
@@ -12121,7 +12121,7 @@
         <p:spPr>
           <a:xfrm>
             <a:off x="4214160" y="456120"/>
-            <a:ext cx="4110840" cy="854280"/>
+            <a:ext cx="4110480" cy="853920"/>
           </a:xfrm>
           <a:prstGeom prst="rect">
             <a:avLst/>
@@ -12209,8 +12209,8 @@
         </p:nvSpPr>
         <p:spPr>
           <a:xfrm rot="2744400">
-            <a:off x="-279720" y="-25560"/>
-            <a:ext cx="703440" cy="703080"/>
+            <a:off x="-279360" y="-25560"/>
+            <a:ext cx="703080" cy="702720"/>
           </a:xfrm>
           <a:prstGeom prst="roundRect">
             <a:avLst>
@@ -12247,8 +12247,8 @@
         </p:nvSpPr>
         <p:spPr>
           <a:xfrm rot="2332200">
-            <a:off x="6009120" y="-319680"/>
-            <a:ext cx="4854600" cy="7725600"/>
+            <a:off x="6009120" y="-319320"/>
+            <a:ext cx="4854240" cy="7725240"/>
           </a:xfrm>
           <a:prstGeom prst="roundRect">
             <a:avLst>
@@ -12286,9 +12286,9 @@
         <p:grpSpPr>
           <a:xfrm>
             <a:off x="4571640" y="828000"/>
-            <a:ext cx="4467240" cy="3563280"/>
+            <a:ext cx="4466880" cy="3562920"/>
             <a:chOff x="4571640" y="828000"/>
-            <a:chExt cx="4467240" cy="3563280"/>
+            <a:chExt cx="4466880" cy="3562920"/>
           </a:xfrm>
         </p:grpSpPr>
         <p:pic>
@@ -12304,7 +12304,7 @@
           <p:spPr>
             <a:xfrm>
               <a:off x="4571640" y="828000"/>
-              <a:ext cx="4467240" cy="3563280"/>
+              <a:ext cx="4466880" cy="3562920"/>
             </a:xfrm>
             <a:prstGeom prst="rect">
               <a:avLst/>
@@ -12322,8 +12322,8 @@
           </p:nvSpPr>
           <p:spPr>
             <a:xfrm rot="16200000">
-              <a:off x="5962680" y="1159920"/>
-              <a:ext cx="1736280" cy="2770200"/>
+              <a:off x="5962680" y="1160280"/>
+              <a:ext cx="1735920" cy="2769840"/>
             </a:xfrm>
             <a:prstGeom prst="roundRect">
               <a:avLst>
@@ -12390,7 +12390,7 @@
         <p:spPr>
           <a:xfrm>
             <a:off x="5446080" y="1672200"/>
-            <a:ext cx="2769840" cy="1736280"/>
+            <a:ext cx="2769480" cy="1735920"/>
           </a:xfrm>
           <a:prstGeom prst="rect">
             <a:avLst/>
@@ -12442,7 +12442,7 @@
         <p:spPr>
           <a:xfrm>
             <a:off x="586440" y="1246680"/>
-            <a:ext cx="4003200" cy="3598920"/>
+            <a:ext cx="4002840" cy="3598560"/>
           </a:xfrm>
           <a:prstGeom prst="rect">
             <a:avLst/>
@@ -12494,7 +12494,7 @@
         <p:spPr>
           <a:xfrm>
             <a:off x="586440" y="453960"/>
-            <a:ext cx="4763160" cy="854280"/>
+            <a:ext cx="4762800" cy="853920"/>
           </a:xfrm>
           <a:prstGeom prst="rect">
             <a:avLst/>
@@ -12582,8 +12582,8 @@
         </p:nvSpPr>
         <p:spPr>
           <a:xfrm rot="2745600">
-            <a:off x="8349840" y="-667800"/>
-            <a:ext cx="1497240" cy="1497240"/>
+            <a:off x="8350200" y="-667800"/>
+            <a:ext cx="1496880" cy="1496880"/>
           </a:xfrm>
           <a:prstGeom prst="roundRect">
             <a:avLst>
@@ -12620,8 +12620,8 @@
         </p:nvSpPr>
         <p:spPr>
           <a:xfrm rot="2745600">
-            <a:off x="7634160" y="-322200"/>
-            <a:ext cx="806040" cy="806400"/>
+            <a:off x="7634160" y="-321840"/>
+            <a:ext cx="805680" cy="806040"/>
           </a:xfrm>
           <a:prstGeom prst="roundRect">
             <a:avLst>
@@ -12660,7 +12660,7 @@
         <p:spPr>
           <a:xfrm>
             <a:off x="586440" y="899640"/>
-            <a:ext cx="7930800" cy="1536120"/>
+            <a:ext cx="7930440" cy="1535760"/>
           </a:xfrm>
           <a:prstGeom prst="rect">
             <a:avLst/>
@@ -12712,7 +12712,7 @@
         <p:spPr>
           <a:xfrm>
             <a:off x="608040" y="2545560"/>
-            <a:ext cx="3711240" cy="2254680"/>
+            <a:ext cx="3710880" cy="2254320"/>
           </a:xfrm>
           <a:prstGeom prst="rect">
             <a:avLst/>
@@ -12764,7 +12764,7 @@
         <p:spPr>
           <a:xfrm>
             <a:off x="4806360" y="2545560"/>
-            <a:ext cx="3711240" cy="2254680"/>
+            <a:ext cx="3710880" cy="2254320"/>
           </a:xfrm>
           <a:prstGeom prst="rect">
             <a:avLst/>
@@ -12816,7 +12816,7 @@
         <p:spPr>
           <a:xfrm>
             <a:off x="583200" y="450720"/>
-            <a:ext cx="7197120" cy="511200"/>
+            <a:ext cx="7196760" cy="510840"/>
           </a:xfrm>
           <a:prstGeom prst="rect">
             <a:avLst/>
@@ -12898,7 +12898,7 @@
         <p:spPr>
           <a:xfrm>
             <a:off x="586440" y="1246680"/>
-            <a:ext cx="4003200" cy="3598920"/>
+            <a:ext cx="4002840" cy="3598560"/>
           </a:xfrm>
           <a:prstGeom prst="rect">
             <a:avLst/>
@@ -12950,7 +12950,7 @@
         <p:spPr>
           <a:xfrm>
             <a:off x="559800" y="446040"/>
-            <a:ext cx="4282560" cy="682560"/>
+            <a:ext cx="4282200" cy="682200"/>
           </a:xfrm>
           <a:prstGeom prst="rect">
             <a:avLst/>
@@ -13002,7 +13002,7 @@
         <p:spPr>
           <a:xfrm>
             <a:off x="5097600" y="360"/>
-            <a:ext cx="4378680" cy="5142960"/>
+            <a:ext cx="4378320" cy="5142600"/>
           </a:xfrm>
           <a:prstGeom prst="roundRect">
             <a:avLst>
@@ -13067,8 +13067,8 @@
         </p:nvSpPr>
         <p:spPr>
           <a:xfrm rot="2744400">
-            <a:off x="-279720" y="-25560"/>
-            <a:ext cx="703440" cy="703080"/>
+            <a:off x="-279360" y="-25560"/>
+            <a:ext cx="703080" cy="702720"/>
           </a:xfrm>
           <a:prstGeom prst="roundRect">
             <a:avLst>
@@ -13105,8 +13105,8 @@
         </p:nvSpPr>
         <p:spPr>
           <a:xfrm rot="2625600">
-            <a:off x="4861080" y="4146120"/>
-            <a:ext cx="467280" cy="467280"/>
+            <a:off x="4861080" y="4145760"/>
+            <a:ext cx="466920" cy="466920"/>
           </a:xfrm>
           <a:prstGeom prst="roundRect">
             <a:avLst>
@@ -13180,8 +13180,8 @@
         </p:nvSpPr>
         <p:spPr>
           <a:xfrm rot="2744400">
-            <a:off x="-348840" y="4539240"/>
-            <a:ext cx="703440" cy="703080"/>
+            <a:off x="-348480" y="4538880"/>
+            <a:ext cx="703080" cy="702720"/>
           </a:xfrm>
           <a:prstGeom prst="roundRect">
             <a:avLst>
@@ -13218,8 +13218,8 @@
         </p:nvSpPr>
         <p:spPr>
           <a:xfrm rot="19228200">
-            <a:off x="5845680" y="-2265480"/>
-            <a:ext cx="4854240" cy="7725240"/>
+            <a:off x="5845320" y="-2265120"/>
+            <a:ext cx="4853880" cy="7724880"/>
           </a:xfrm>
           <a:prstGeom prst="roundRect">
             <a:avLst>
@@ -13257,9 +13257,9 @@
         <p:grpSpPr>
           <a:xfrm>
             <a:off x="4571640" y="828000"/>
-            <a:ext cx="4467240" cy="3563280"/>
+            <a:ext cx="4466880" cy="3562920"/>
             <a:chOff x="4571640" y="828000"/>
-            <a:chExt cx="4467240" cy="3563280"/>
+            <a:chExt cx="4466880" cy="3562920"/>
           </a:xfrm>
         </p:grpSpPr>
         <p:pic>
@@ -13275,7 +13275,7 @@
           <p:spPr>
             <a:xfrm>
               <a:off x="4571640" y="828000"/>
-              <a:ext cx="4467240" cy="3563280"/>
+              <a:ext cx="4466880" cy="3562920"/>
             </a:xfrm>
             <a:prstGeom prst="rect">
               <a:avLst/>
@@ -13293,8 +13293,8 @@
           </p:nvSpPr>
           <p:spPr>
             <a:xfrm rot="16200000">
-              <a:off x="5962680" y="1159920"/>
-              <a:ext cx="1736280" cy="2770200"/>
+              <a:off x="5962680" y="1160280"/>
+              <a:ext cx="1735920" cy="2769840"/>
             </a:xfrm>
             <a:prstGeom prst="roundRect">
               <a:avLst>
@@ -13361,7 +13361,7 @@
         <p:spPr>
           <a:xfrm>
             <a:off x="586440" y="1246680"/>
-            <a:ext cx="4003200" cy="3598920"/>
+            <a:ext cx="4002840" cy="3598560"/>
           </a:xfrm>
           <a:prstGeom prst="rect">
             <a:avLst/>
@@ -13413,7 +13413,7 @@
         <p:spPr>
           <a:xfrm>
             <a:off x="5446080" y="1672200"/>
-            <a:ext cx="2779200" cy="1736280"/>
+            <a:ext cx="2778840" cy="1735920"/>
           </a:xfrm>
           <a:prstGeom prst="rect">
             <a:avLst/>
@@ -13465,7 +13465,7 @@
         <p:spPr>
           <a:xfrm>
             <a:off x="586440" y="453960"/>
-            <a:ext cx="3695760" cy="854280"/>
+            <a:ext cx="3695400" cy="853920"/>
           </a:xfrm>
           <a:prstGeom prst="rect">
             <a:avLst/>
@@ -13554,7 +13554,7 @@
         <p:spPr>
           <a:xfrm>
             <a:off x="4222080" y="1246680"/>
-            <a:ext cx="4114080" cy="3598920"/>
+            <a:ext cx="4113720" cy="3598560"/>
           </a:xfrm>
           <a:prstGeom prst="rect">
             <a:avLst/>
@@ -13605,8 +13605,8 @@
         </p:nvSpPr>
         <p:spPr>
           <a:xfrm rot="16200000">
-            <a:off x="-2181600" y="1734480"/>
-            <a:ext cx="5142960" cy="1683000"/>
+            <a:off x="-2181600" y="1734840"/>
+            <a:ext cx="5142600" cy="1682640"/>
           </a:xfrm>
           <a:prstGeom prst="roundRect">
             <a:avLst>
@@ -13643,8 +13643,8 @@
         </p:nvSpPr>
         <p:spPr>
           <a:xfrm rot="2745000">
-            <a:off x="8575200" y="102960"/>
-            <a:ext cx="1131480" cy="1131120"/>
+            <a:off x="8575200" y="102600"/>
+            <a:ext cx="1131120" cy="1130760"/>
           </a:xfrm>
           <a:prstGeom prst="roundRect">
             <a:avLst>
@@ -13681,8 +13681,8 @@
         </p:nvSpPr>
         <p:spPr>
           <a:xfrm rot="16200000">
-            <a:off x="614880" y="919800"/>
-            <a:ext cx="3231000" cy="3312720"/>
+            <a:off x="614880" y="920160"/>
+            <a:ext cx="3230640" cy="3312360"/>
           </a:xfrm>
           <a:prstGeom prst="roundRect">
             <a:avLst>
@@ -13748,7 +13748,7 @@
         <p:spPr>
           <a:xfrm>
             <a:off x="4214160" y="456120"/>
-            <a:ext cx="4110840" cy="854280"/>
+            <a:ext cx="4110480" cy="853920"/>
           </a:xfrm>
           <a:prstGeom prst="rect">
             <a:avLst/>
@@ -13830,7 +13830,7 @@
         <p:spPr>
           <a:xfrm>
             <a:off x="586440" y="1246680"/>
-            <a:ext cx="4003200" cy="3598920"/>
+            <a:ext cx="4002840" cy="3598560"/>
           </a:xfrm>
           <a:prstGeom prst="rect">
             <a:avLst/>
@@ -13882,7 +13882,7 @@
         <p:spPr>
           <a:xfrm>
             <a:off x="559800" y="446040"/>
-            <a:ext cx="4282560" cy="682560"/>
+            <a:ext cx="4282200" cy="682200"/>
           </a:xfrm>
           <a:prstGeom prst="rect">
             <a:avLst/>
@@ -13934,7 +13934,7 @@
         <p:spPr>
           <a:xfrm>
             <a:off x="5097600" y="360"/>
-            <a:ext cx="4378680" cy="5142960"/>
+            <a:ext cx="4378320" cy="5142600"/>
           </a:xfrm>
           <a:prstGeom prst="roundRect">
             <a:avLst>
@@ -13999,8 +13999,8 @@
         </p:nvSpPr>
         <p:spPr>
           <a:xfrm rot="2744400">
-            <a:off x="-279720" y="-25560"/>
-            <a:ext cx="703440" cy="703080"/>
+            <a:off x="-279360" y="-25560"/>
+            <a:ext cx="703080" cy="702720"/>
           </a:xfrm>
           <a:prstGeom prst="roundRect">
             <a:avLst>
@@ -14037,8 +14037,8 @@
         </p:nvSpPr>
         <p:spPr>
           <a:xfrm rot="2625600">
-            <a:off x="4861080" y="4146120"/>
-            <a:ext cx="467280" cy="467280"/>
+            <a:off x="4861080" y="4145760"/>
+            <a:ext cx="466920" cy="466920"/>
           </a:xfrm>
           <a:prstGeom prst="roundRect">
             <a:avLst>
@@ -14112,8 +14112,8 @@
         </p:nvSpPr>
         <p:spPr>
           <a:xfrm rot="2744400">
-            <a:off x="-279720" y="-25560"/>
-            <a:ext cx="703440" cy="703080"/>
+            <a:off x="-279360" y="-25560"/>
+            <a:ext cx="703080" cy="702720"/>
           </a:xfrm>
           <a:prstGeom prst="roundRect">
             <a:avLst>
@@ -14150,8 +14150,8 @@
         </p:nvSpPr>
         <p:spPr>
           <a:xfrm rot="2332200">
-            <a:off x="6009120" y="-319680"/>
-            <a:ext cx="4854600" cy="7725600"/>
+            <a:off x="6009120" y="-319320"/>
+            <a:ext cx="4854240" cy="7725240"/>
           </a:xfrm>
           <a:prstGeom prst="roundRect">
             <a:avLst>
@@ -14189,9 +14189,9 @@
         <p:grpSpPr>
           <a:xfrm>
             <a:off x="4571640" y="828000"/>
-            <a:ext cx="4467240" cy="3563280"/>
+            <a:ext cx="4466880" cy="3562920"/>
             <a:chOff x="4571640" y="828000"/>
-            <a:chExt cx="4467240" cy="3563280"/>
+            <a:chExt cx="4466880" cy="3562920"/>
           </a:xfrm>
         </p:grpSpPr>
         <p:pic>
@@ -14207,7 +14207,7 @@
           <p:spPr>
             <a:xfrm>
               <a:off x="4571640" y="828000"/>
-              <a:ext cx="4467240" cy="3563280"/>
+              <a:ext cx="4466880" cy="3562920"/>
             </a:xfrm>
             <a:prstGeom prst="rect">
               <a:avLst/>
@@ -14225,8 +14225,8 @@
           </p:nvSpPr>
           <p:spPr>
             <a:xfrm rot="16200000">
-              <a:off x="5962680" y="1159920"/>
-              <a:ext cx="1736280" cy="2770200"/>
+              <a:off x="5962680" y="1160280"/>
+              <a:ext cx="1735920" cy="2769840"/>
             </a:xfrm>
             <a:prstGeom prst="roundRect">
               <a:avLst>
@@ -14293,7 +14293,7 @@
         <p:spPr>
           <a:xfrm>
             <a:off x="5446080" y="1672200"/>
-            <a:ext cx="2769840" cy="1736280"/>
+            <a:ext cx="2769480" cy="1735920"/>
           </a:xfrm>
           <a:prstGeom prst="rect">
             <a:avLst/>
@@ -14345,7 +14345,7 @@
         <p:spPr>
           <a:xfrm>
             <a:off x="586440" y="1246680"/>
-            <a:ext cx="4003200" cy="3598920"/>
+            <a:ext cx="4002840" cy="3598560"/>
           </a:xfrm>
           <a:prstGeom prst="rect">
             <a:avLst/>
@@ -14397,7 +14397,7 @@
         <p:spPr>
           <a:xfrm>
             <a:off x="586440" y="453960"/>
-            <a:ext cx="4763160" cy="854280"/>
+            <a:ext cx="4762800" cy="853920"/>
           </a:xfrm>
           <a:prstGeom prst="rect">
             <a:avLst/>
@@ -14485,8 +14485,8 @@
         </p:nvSpPr>
         <p:spPr>
           <a:xfrm rot="2745600">
-            <a:off x="8349840" y="-667800"/>
-            <a:ext cx="1497240" cy="1497240"/>
+            <a:off x="8350200" y="-667800"/>
+            <a:ext cx="1496880" cy="1496880"/>
           </a:xfrm>
           <a:prstGeom prst="roundRect">
             <a:avLst>
@@ -14523,8 +14523,8 @@
         </p:nvSpPr>
         <p:spPr>
           <a:xfrm rot="2745600">
-            <a:off x="7634160" y="-322200"/>
-            <a:ext cx="806040" cy="806400"/>
+            <a:off x="7634160" y="-321840"/>
+            <a:ext cx="805680" cy="806040"/>
           </a:xfrm>
           <a:prstGeom prst="roundRect">
             <a:avLst>
@@ -14563,7 +14563,7 @@
         <p:spPr>
           <a:xfrm>
             <a:off x="586440" y="899640"/>
-            <a:ext cx="7930800" cy="1536120"/>
+            <a:ext cx="7930440" cy="1535760"/>
           </a:xfrm>
           <a:prstGeom prst="rect">
             <a:avLst/>
@@ -14615,7 +14615,7 @@
         <p:spPr>
           <a:xfrm>
             <a:off x="608040" y="2545560"/>
-            <a:ext cx="3711240" cy="2254680"/>
+            <a:ext cx="3710880" cy="2254320"/>
           </a:xfrm>
           <a:prstGeom prst="rect">
             <a:avLst/>
@@ -14667,7 +14667,7 @@
         <p:spPr>
           <a:xfrm>
             <a:off x="4806360" y="2545560"/>
-            <a:ext cx="3711240" cy="2254680"/>
+            <a:ext cx="3710880" cy="2254320"/>
           </a:xfrm>
           <a:prstGeom prst="rect">
             <a:avLst/>
@@ -14719,7 +14719,7 @@
         <p:spPr>
           <a:xfrm>
             <a:off x="583200" y="450720"/>
-            <a:ext cx="7197120" cy="511200"/>
+            <a:ext cx="7196760" cy="510840"/>
           </a:xfrm>
           <a:prstGeom prst="rect">
             <a:avLst/>
@@ -14801,7 +14801,7 @@
         <p:spPr>
           <a:xfrm>
             <a:off x="586440" y="1246680"/>
-            <a:ext cx="4003200" cy="3598920"/>
+            <a:ext cx="4002840" cy="3598560"/>
           </a:xfrm>
           <a:prstGeom prst="rect">
             <a:avLst/>
@@ -14853,7 +14853,7 @@
         <p:spPr>
           <a:xfrm>
             <a:off x="559800" y="446040"/>
-            <a:ext cx="4282560" cy="682560"/>
+            <a:ext cx="4282200" cy="682200"/>
           </a:xfrm>
           <a:prstGeom prst="rect">
             <a:avLst/>
@@ -14905,7 +14905,7 @@
         <p:spPr>
           <a:xfrm>
             <a:off x="5097600" y="360"/>
-            <a:ext cx="4378680" cy="5142960"/>
+            <a:ext cx="4378320" cy="5142600"/>
           </a:xfrm>
           <a:prstGeom prst="roundRect">
             <a:avLst>
@@ -14970,8 +14970,8 @@
         </p:nvSpPr>
         <p:spPr>
           <a:xfrm rot="2744400">
-            <a:off x="-279720" y="-25560"/>
-            <a:ext cx="703440" cy="703080"/>
+            <a:off x="-279360" y="-25560"/>
+            <a:ext cx="703080" cy="702720"/>
           </a:xfrm>
           <a:prstGeom prst="roundRect">
             <a:avLst>
@@ -15008,8 +15008,8 @@
         </p:nvSpPr>
         <p:spPr>
           <a:xfrm rot="2625600">
-            <a:off x="4861080" y="4146120"/>
-            <a:ext cx="467280" cy="467280"/>
+            <a:off x="4861080" y="4145760"/>
+            <a:ext cx="466920" cy="466920"/>
           </a:xfrm>
           <a:prstGeom prst="roundRect">
             <a:avLst>
@@ -15083,8 +15083,8 @@
         </p:nvSpPr>
         <p:spPr>
           <a:xfrm rot="2744400">
-            <a:off x="-348840" y="4539240"/>
-            <a:ext cx="703440" cy="703080"/>
+            <a:off x="-348480" y="4538880"/>
+            <a:ext cx="703080" cy="702720"/>
           </a:xfrm>
           <a:prstGeom prst="roundRect">
             <a:avLst>
@@ -15121,8 +15121,8 @@
         </p:nvSpPr>
         <p:spPr>
           <a:xfrm rot="19228200">
-            <a:off x="5845680" y="-2265480"/>
-            <a:ext cx="4854240" cy="7725240"/>
+            <a:off x="5845320" y="-2265120"/>
+            <a:ext cx="4853880" cy="7724880"/>
           </a:xfrm>
           <a:prstGeom prst="roundRect">
             <a:avLst>
@@ -15160,9 +15160,9 @@
         <p:grpSpPr>
           <a:xfrm>
             <a:off x="4571640" y="828000"/>
-            <a:ext cx="4467240" cy="3563280"/>
+            <a:ext cx="4466880" cy="3562920"/>
             <a:chOff x="4571640" y="828000"/>
-            <a:chExt cx="4467240" cy="3563280"/>
+            <a:chExt cx="4466880" cy="3562920"/>
           </a:xfrm>
         </p:grpSpPr>
         <p:pic>
@@ -15178,7 +15178,7 @@
           <p:spPr>
             <a:xfrm>
               <a:off x="4571640" y="828000"/>
-              <a:ext cx="4467240" cy="3563280"/>
+              <a:ext cx="4466880" cy="3562920"/>
             </a:xfrm>
             <a:prstGeom prst="rect">
               <a:avLst/>
@@ -15196,8 +15196,8 @@
           </p:nvSpPr>
           <p:spPr>
             <a:xfrm rot="16200000">
-              <a:off x="5962680" y="1159920"/>
-              <a:ext cx="1736280" cy="2770200"/>
+              <a:off x="5962680" y="1160280"/>
+              <a:ext cx="1735920" cy="2769840"/>
             </a:xfrm>
             <a:prstGeom prst="roundRect">
               <a:avLst>
@@ -15264,7 +15264,7 @@
         <p:spPr>
           <a:xfrm>
             <a:off x="586440" y="1246680"/>
-            <a:ext cx="4003200" cy="3598920"/>
+            <a:ext cx="4002840" cy="3598560"/>
           </a:xfrm>
           <a:prstGeom prst="rect">
             <a:avLst/>
@@ -15316,7 +15316,7 @@
         <p:spPr>
           <a:xfrm>
             <a:off x="5446080" y="1672200"/>
-            <a:ext cx="2779200" cy="1736280"/>
+            <a:ext cx="2778840" cy="1735920"/>
           </a:xfrm>
           <a:prstGeom prst="rect">
             <a:avLst/>
@@ -15368,7 +15368,7 @@
         <p:spPr>
           <a:xfrm>
             <a:off x="586440" y="453960"/>
-            <a:ext cx="3695760" cy="854280"/>
+            <a:ext cx="3695400" cy="853920"/>
           </a:xfrm>
           <a:prstGeom prst="rect">
             <a:avLst/>
@@ -15457,7 +15457,7 @@
         <p:spPr>
           <a:xfrm>
             <a:off x="4222080" y="1246680"/>
-            <a:ext cx="4114080" cy="3598920"/>
+            <a:ext cx="4113720" cy="3598560"/>
           </a:xfrm>
           <a:prstGeom prst="rect">
             <a:avLst/>
@@ -15508,8 +15508,8 @@
         </p:nvSpPr>
         <p:spPr>
           <a:xfrm rot="16200000">
-            <a:off x="-2181600" y="1734480"/>
-            <a:ext cx="5142960" cy="1683000"/>
+            <a:off x="-2181600" y="1734840"/>
+            <a:ext cx="5142600" cy="1682640"/>
           </a:xfrm>
           <a:prstGeom prst="roundRect">
             <a:avLst>
@@ -15546,8 +15546,8 @@
         </p:nvSpPr>
         <p:spPr>
           <a:xfrm rot="2745000">
-            <a:off x="8575200" y="102960"/>
-            <a:ext cx="1131480" cy="1131120"/>
+            <a:off x="8575200" y="102600"/>
+            <a:ext cx="1131120" cy="1130760"/>
           </a:xfrm>
           <a:prstGeom prst="roundRect">
             <a:avLst>
@@ -15584,8 +15584,8 @@
         </p:nvSpPr>
         <p:spPr>
           <a:xfrm rot="16200000">
-            <a:off x="614880" y="919800"/>
-            <a:ext cx="3231000" cy="3312720"/>
+            <a:off x="614880" y="920160"/>
+            <a:ext cx="3230640" cy="3312360"/>
           </a:xfrm>
           <a:prstGeom prst="roundRect">
             <a:avLst>
@@ -15651,7 +15651,7 @@
         <p:spPr>
           <a:xfrm>
             <a:off x="4214160" y="456120"/>
-            <a:ext cx="4110840" cy="854280"/>
+            <a:ext cx="4110480" cy="853920"/>
           </a:xfrm>
           <a:prstGeom prst="rect">
             <a:avLst/>
@@ -15739,8 +15739,8 @@
         </p:nvSpPr>
         <p:spPr>
           <a:xfrm rot="2744400">
-            <a:off x="-279720" y="-25560"/>
-            <a:ext cx="703440" cy="703080"/>
+            <a:off x="-279360" y="-25560"/>
+            <a:ext cx="703080" cy="702720"/>
           </a:xfrm>
           <a:prstGeom prst="roundRect">
             <a:avLst>
@@ -15777,8 +15777,8 @@
         </p:nvSpPr>
         <p:spPr>
           <a:xfrm rot="2332200">
-            <a:off x="6009120" y="-319680"/>
-            <a:ext cx="4854600" cy="7725600"/>
+            <a:off x="6009120" y="-319320"/>
+            <a:ext cx="4854240" cy="7725240"/>
           </a:xfrm>
           <a:prstGeom prst="roundRect">
             <a:avLst>
@@ -15816,9 +15816,9 @@
         <p:grpSpPr>
           <a:xfrm>
             <a:off x="4571640" y="828000"/>
-            <a:ext cx="4467240" cy="3563280"/>
+            <a:ext cx="4466880" cy="3562920"/>
             <a:chOff x="4571640" y="828000"/>
-            <a:chExt cx="4467240" cy="3563280"/>
+            <a:chExt cx="4466880" cy="3562920"/>
           </a:xfrm>
         </p:grpSpPr>
         <p:pic>
@@ -15834,7 +15834,7 @@
           <p:spPr>
             <a:xfrm>
               <a:off x="4571640" y="828000"/>
-              <a:ext cx="4467240" cy="3563280"/>
+              <a:ext cx="4466880" cy="3562920"/>
             </a:xfrm>
             <a:prstGeom prst="rect">
               <a:avLst/>
@@ -15852,8 +15852,8 @@
           </p:nvSpPr>
           <p:spPr>
             <a:xfrm rot="16200000">
-              <a:off x="5962680" y="1159920"/>
-              <a:ext cx="1736280" cy="2770200"/>
+              <a:off x="5962680" y="1160280"/>
+              <a:ext cx="1735920" cy="2769840"/>
             </a:xfrm>
             <a:prstGeom prst="roundRect">
               <a:avLst>
@@ -15920,7 +15920,7 @@
         <p:spPr>
           <a:xfrm>
             <a:off x="5446080" y="1672200"/>
-            <a:ext cx="2769840" cy="1736280"/>
+            <a:ext cx="2769480" cy="1735920"/>
           </a:xfrm>
           <a:prstGeom prst="rect">
             <a:avLst/>
@@ -15972,7 +15972,7 @@
         <p:spPr>
           <a:xfrm>
             <a:off x="586440" y="1246680"/>
-            <a:ext cx="4003200" cy="3598920"/>
+            <a:ext cx="4002840" cy="3598560"/>
           </a:xfrm>
           <a:prstGeom prst="rect">
             <a:avLst/>
@@ -16024,7 +16024,7 @@
         <p:spPr>
           <a:xfrm>
             <a:off x="586440" y="453960"/>
-            <a:ext cx="4763160" cy="854280"/>
+            <a:ext cx="4762800" cy="853920"/>
           </a:xfrm>
           <a:prstGeom prst="rect">
             <a:avLst/>
@@ -16112,8 +16112,8 @@
         </p:nvSpPr>
         <p:spPr>
           <a:xfrm rot="2745600">
-            <a:off x="8349840" y="-667800"/>
-            <a:ext cx="1497240" cy="1497240"/>
+            <a:off x="8350200" y="-667800"/>
+            <a:ext cx="1496880" cy="1496880"/>
           </a:xfrm>
           <a:prstGeom prst="roundRect">
             <a:avLst>
@@ -16150,8 +16150,8 @@
         </p:nvSpPr>
         <p:spPr>
           <a:xfrm rot="2745600">
-            <a:off x="7634160" y="-322200"/>
-            <a:ext cx="806040" cy="806400"/>
+            <a:off x="7634160" y="-321840"/>
+            <a:ext cx="805680" cy="806040"/>
           </a:xfrm>
           <a:prstGeom prst="roundRect">
             <a:avLst>
@@ -16190,7 +16190,7 @@
         <p:spPr>
           <a:xfrm>
             <a:off x="586440" y="899640"/>
-            <a:ext cx="7930800" cy="1536120"/>
+            <a:ext cx="7930440" cy="1535760"/>
           </a:xfrm>
           <a:prstGeom prst="rect">
             <a:avLst/>
@@ -16242,7 +16242,7 @@
         <p:spPr>
           <a:xfrm>
             <a:off x="608040" y="2545560"/>
-            <a:ext cx="3711240" cy="2254680"/>
+            <a:ext cx="3710880" cy="2254320"/>
           </a:xfrm>
           <a:prstGeom prst="rect">
             <a:avLst/>
@@ -16294,7 +16294,7 @@
         <p:spPr>
           <a:xfrm>
             <a:off x="4806360" y="2545560"/>
-            <a:ext cx="3711240" cy="2254680"/>
+            <a:ext cx="3710880" cy="2254320"/>
           </a:xfrm>
           <a:prstGeom prst="rect">
             <a:avLst/>
@@ -16346,7 +16346,7 @@
         <p:spPr>
           <a:xfrm>
             <a:off x="583200" y="450720"/>
-            <a:ext cx="7197120" cy="511200"/>
+            <a:ext cx="7196760" cy="510840"/>
           </a:xfrm>
           <a:prstGeom prst="rect">
             <a:avLst/>
@@ -16428,7 +16428,7 @@
         <p:spPr>
           <a:xfrm>
             <a:off x="586440" y="1246680"/>
-            <a:ext cx="4003200" cy="3598920"/>
+            <a:ext cx="4002840" cy="3598560"/>
           </a:xfrm>
           <a:prstGeom prst="rect">
             <a:avLst/>
@@ -16480,7 +16480,7 @@
         <p:spPr>
           <a:xfrm>
             <a:off x="559800" y="446040"/>
-            <a:ext cx="4282560" cy="682560"/>
+            <a:ext cx="4282200" cy="682200"/>
           </a:xfrm>
           <a:prstGeom prst="rect">
             <a:avLst/>
@@ -16532,7 +16532,7 @@
         <p:spPr>
           <a:xfrm>
             <a:off x="5097600" y="360"/>
-            <a:ext cx="4378680" cy="5142960"/>
+            <a:ext cx="4378320" cy="5142600"/>
           </a:xfrm>
           <a:prstGeom prst="roundRect">
             <a:avLst>
@@ -16597,8 +16597,8 @@
         </p:nvSpPr>
         <p:spPr>
           <a:xfrm rot="2744400">
-            <a:off x="-279720" y="-25560"/>
-            <a:ext cx="703440" cy="703080"/>
+            <a:off x="-279360" y="-25560"/>
+            <a:ext cx="703080" cy="702720"/>
           </a:xfrm>
           <a:prstGeom prst="roundRect">
             <a:avLst>
@@ -16635,8 +16635,8 @@
         </p:nvSpPr>
         <p:spPr>
           <a:xfrm rot="2625600">
-            <a:off x="4861080" y="4146120"/>
-            <a:ext cx="467280" cy="467280"/>
+            <a:off x="4861080" y="4145760"/>
+            <a:ext cx="466920" cy="466920"/>
           </a:xfrm>
           <a:prstGeom prst="roundRect">
             <a:avLst>
@@ -16710,8 +16710,8 @@
         </p:nvSpPr>
         <p:spPr>
           <a:xfrm rot="2744400">
-            <a:off x="-348840" y="4539240"/>
-            <a:ext cx="703440" cy="703080"/>
+            <a:off x="-348480" y="4538880"/>
+            <a:ext cx="703080" cy="702720"/>
           </a:xfrm>
           <a:prstGeom prst="roundRect">
             <a:avLst>
@@ -16748,8 +16748,8 @@
         </p:nvSpPr>
         <p:spPr>
           <a:xfrm rot="19228200">
-            <a:off x="5845680" y="-2265480"/>
-            <a:ext cx="4854240" cy="7725240"/>
+            <a:off x="5845320" y="-2265120"/>
+            <a:ext cx="4853880" cy="7724880"/>
           </a:xfrm>
           <a:prstGeom prst="roundRect">
             <a:avLst>
@@ -16787,9 +16787,9 @@
         <p:grpSpPr>
           <a:xfrm>
             <a:off x="4571640" y="828000"/>
-            <a:ext cx="4467240" cy="3563280"/>
+            <a:ext cx="4466880" cy="3562920"/>
             <a:chOff x="4571640" y="828000"/>
-            <a:chExt cx="4467240" cy="3563280"/>
+            <a:chExt cx="4466880" cy="3562920"/>
           </a:xfrm>
         </p:grpSpPr>
         <p:pic>
@@ -16805,7 +16805,7 @@
           <p:spPr>
             <a:xfrm>
               <a:off x="4571640" y="828000"/>
-              <a:ext cx="4467240" cy="3563280"/>
+              <a:ext cx="4466880" cy="3562920"/>
             </a:xfrm>
             <a:prstGeom prst="rect">
               <a:avLst/>
@@ -16823,8 +16823,8 @@
           </p:nvSpPr>
           <p:spPr>
             <a:xfrm rot="16200000">
-              <a:off x="5962680" y="1159920"/>
-              <a:ext cx="1736280" cy="2770200"/>
+              <a:off x="5962680" y="1160280"/>
+              <a:ext cx="1735920" cy="2769840"/>
             </a:xfrm>
             <a:prstGeom prst="roundRect">
               <a:avLst>
@@ -16891,7 +16891,7 @@
         <p:spPr>
           <a:xfrm>
             <a:off x="586440" y="1246680"/>
-            <a:ext cx="4003200" cy="3598920"/>
+            <a:ext cx="4002840" cy="3598560"/>
           </a:xfrm>
           <a:prstGeom prst="rect">
             <a:avLst/>
@@ -16943,7 +16943,7 @@
         <p:spPr>
           <a:xfrm>
             <a:off x="5446080" y="1672200"/>
-            <a:ext cx="2779200" cy="1736280"/>
+            <a:ext cx="2778840" cy="1735920"/>
           </a:xfrm>
           <a:prstGeom prst="rect">
             <a:avLst/>
@@ -16995,7 +16995,7 @@
         <p:spPr>
           <a:xfrm>
             <a:off x="586440" y="453960"/>
-            <a:ext cx="3695760" cy="854280"/>
+            <a:ext cx="3695400" cy="853920"/>
           </a:xfrm>
           <a:prstGeom prst="rect">
             <a:avLst/>
@@ -17084,7 +17084,7 @@
         <p:spPr>
           <a:xfrm>
             <a:off x="4222080" y="1246680"/>
-            <a:ext cx="4114080" cy="3598920"/>
+            <a:ext cx="4113720" cy="3598560"/>
           </a:xfrm>
           <a:prstGeom prst="rect">
             <a:avLst/>
@@ -17135,8 +17135,8 @@
         </p:nvSpPr>
         <p:spPr>
           <a:xfrm rot="16200000">
-            <a:off x="-2181600" y="1734480"/>
-            <a:ext cx="5142960" cy="1683000"/>
+            <a:off x="-2181600" y="1734840"/>
+            <a:ext cx="5142600" cy="1682640"/>
           </a:xfrm>
           <a:prstGeom prst="roundRect">
             <a:avLst>
@@ -17173,8 +17173,8 @@
         </p:nvSpPr>
         <p:spPr>
           <a:xfrm rot="2745000">
-            <a:off x="8575200" y="102960"/>
-            <a:ext cx="1131480" cy="1131120"/>
+            <a:off x="8575200" y="102600"/>
+            <a:ext cx="1131120" cy="1130760"/>
           </a:xfrm>
           <a:prstGeom prst="roundRect">
             <a:avLst>
@@ -17211,8 +17211,8 @@
         </p:nvSpPr>
         <p:spPr>
           <a:xfrm rot="16200000">
-            <a:off x="614880" y="919800"/>
-            <a:ext cx="3231000" cy="3312720"/>
+            <a:off x="614880" y="920160"/>
+            <a:ext cx="3230640" cy="3312360"/>
           </a:xfrm>
           <a:prstGeom prst="roundRect">
             <a:avLst>
@@ -17278,7 +17278,7 @@
         <p:spPr>
           <a:xfrm>
             <a:off x="4214160" y="456120"/>
-            <a:ext cx="4110840" cy="854280"/>
+            <a:ext cx="4110480" cy="853920"/>
           </a:xfrm>
           <a:prstGeom prst="rect">
             <a:avLst/>
@@ -17366,8 +17366,8 @@
         </p:nvSpPr>
         <p:spPr>
           <a:xfrm rot="2744400">
-            <a:off x="-348840" y="4539240"/>
-            <a:ext cx="703440" cy="703080"/>
+            <a:off x="-348480" y="4538880"/>
+            <a:ext cx="703080" cy="702720"/>
           </a:xfrm>
           <a:prstGeom prst="roundRect">
             <a:avLst>
@@ -17404,8 +17404,8 @@
         </p:nvSpPr>
         <p:spPr>
           <a:xfrm rot="19228200">
-            <a:off x="5845680" y="-2265480"/>
-            <a:ext cx="4854240" cy="7725240"/>
+            <a:off x="5845320" y="-2265120"/>
+            <a:ext cx="4853880" cy="7724880"/>
           </a:xfrm>
           <a:prstGeom prst="roundRect">
             <a:avLst>
@@ -17443,9 +17443,9 @@
         <p:grpSpPr>
           <a:xfrm>
             <a:off x="4571640" y="828000"/>
-            <a:ext cx="4467240" cy="3563280"/>
+            <a:ext cx="4466880" cy="3562920"/>
             <a:chOff x="4571640" y="828000"/>
-            <a:chExt cx="4467240" cy="3563280"/>
+            <a:chExt cx="4466880" cy="3562920"/>
           </a:xfrm>
         </p:grpSpPr>
         <p:pic>
@@ -17461,7 +17461,7 @@
           <p:spPr>
             <a:xfrm>
               <a:off x="4571640" y="828000"/>
-              <a:ext cx="4467240" cy="3563280"/>
+              <a:ext cx="4466880" cy="3562920"/>
             </a:xfrm>
             <a:prstGeom prst="rect">
               <a:avLst/>
@@ -17479,8 +17479,8 @@
           </p:nvSpPr>
           <p:spPr>
             <a:xfrm rot="16200000">
-              <a:off x="5962680" y="1159920"/>
-              <a:ext cx="1736280" cy="2770200"/>
+              <a:off x="5962680" y="1160280"/>
+              <a:ext cx="1735920" cy="2769840"/>
             </a:xfrm>
             <a:prstGeom prst="roundRect">
               <a:avLst>
@@ -17547,7 +17547,7 @@
         <p:spPr>
           <a:xfrm>
             <a:off x="586440" y="1246680"/>
-            <a:ext cx="4003200" cy="3598920"/>
+            <a:ext cx="4002840" cy="3598560"/>
           </a:xfrm>
           <a:prstGeom prst="rect">
             <a:avLst/>
@@ -17599,7 +17599,7 @@
         <p:spPr>
           <a:xfrm>
             <a:off x="5446080" y="1672200"/>
-            <a:ext cx="2779200" cy="1736280"/>
+            <a:ext cx="2778840" cy="1735920"/>
           </a:xfrm>
           <a:prstGeom prst="rect">
             <a:avLst/>
@@ -17651,7 +17651,7 @@
         <p:spPr>
           <a:xfrm>
             <a:off x="586440" y="453960"/>
-            <a:ext cx="3695760" cy="854280"/>
+            <a:ext cx="3695400" cy="853920"/>
           </a:xfrm>
           <a:prstGeom prst="rect">
             <a:avLst/>
@@ -17739,8 +17739,8 @@
         </p:nvSpPr>
         <p:spPr>
           <a:xfrm rot="2744400">
-            <a:off x="-279720" y="-25560"/>
-            <a:ext cx="703440" cy="703080"/>
+            <a:off x="-279360" y="-25560"/>
+            <a:ext cx="703080" cy="702720"/>
           </a:xfrm>
           <a:prstGeom prst="roundRect">
             <a:avLst>
@@ -17777,8 +17777,8 @@
         </p:nvSpPr>
         <p:spPr>
           <a:xfrm rot="2332200">
-            <a:off x="6009120" y="-319680"/>
-            <a:ext cx="4854600" cy="7725600"/>
+            <a:off x="6009120" y="-319320"/>
+            <a:ext cx="4854240" cy="7725240"/>
           </a:xfrm>
           <a:prstGeom prst="roundRect">
             <a:avLst>
@@ -17816,9 +17816,9 @@
         <p:grpSpPr>
           <a:xfrm>
             <a:off x="4571640" y="828000"/>
-            <a:ext cx="4467240" cy="3563280"/>
+            <a:ext cx="4466880" cy="3562920"/>
             <a:chOff x="4571640" y="828000"/>
-            <a:chExt cx="4467240" cy="3563280"/>
+            <a:chExt cx="4466880" cy="3562920"/>
           </a:xfrm>
         </p:grpSpPr>
         <p:pic>
@@ -17834,7 +17834,7 @@
           <p:spPr>
             <a:xfrm>
               <a:off x="4571640" y="828000"/>
-              <a:ext cx="4467240" cy="3563280"/>
+              <a:ext cx="4466880" cy="3562920"/>
             </a:xfrm>
             <a:prstGeom prst="rect">
               <a:avLst/>
@@ -17852,8 +17852,8 @@
           </p:nvSpPr>
           <p:spPr>
             <a:xfrm rot="16200000">
-              <a:off x="5962680" y="1159920"/>
-              <a:ext cx="1736280" cy="2770200"/>
+              <a:off x="5962680" y="1160280"/>
+              <a:ext cx="1735920" cy="2769840"/>
             </a:xfrm>
             <a:prstGeom prst="roundRect">
               <a:avLst>
@@ -17920,7 +17920,7 @@
         <p:spPr>
           <a:xfrm>
             <a:off x="5446080" y="1672200"/>
-            <a:ext cx="2769840" cy="1736280"/>
+            <a:ext cx="2769480" cy="1735920"/>
           </a:xfrm>
           <a:prstGeom prst="rect">
             <a:avLst/>
@@ -17972,7 +17972,7 @@
         <p:spPr>
           <a:xfrm>
             <a:off x="586440" y="1246680"/>
-            <a:ext cx="4003200" cy="3598920"/>
+            <a:ext cx="4002840" cy="3598560"/>
           </a:xfrm>
           <a:prstGeom prst="rect">
             <a:avLst/>
@@ -18024,7 +18024,7 @@
         <p:spPr>
           <a:xfrm>
             <a:off x="586440" y="453960"/>
-            <a:ext cx="4763160" cy="854280"/>
+            <a:ext cx="4762800" cy="853920"/>
           </a:xfrm>
           <a:prstGeom prst="rect">
             <a:avLst/>
@@ -18112,8 +18112,8 @@
         </p:nvSpPr>
         <p:spPr>
           <a:xfrm rot="2745600">
-            <a:off x="8349840" y="-667800"/>
-            <a:ext cx="1497240" cy="1497240"/>
+            <a:off x="8350200" y="-667800"/>
+            <a:ext cx="1496880" cy="1496880"/>
           </a:xfrm>
           <a:prstGeom prst="roundRect">
             <a:avLst>
@@ -18150,8 +18150,8 @@
         </p:nvSpPr>
         <p:spPr>
           <a:xfrm rot="2745600">
-            <a:off x="7634160" y="-322200"/>
-            <a:ext cx="806040" cy="806400"/>
+            <a:off x="7634160" y="-321840"/>
+            <a:ext cx="805680" cy="806040"/>
           </a:xfrm>
           <a:prstGeom prst="roundRect">
             <a:avLst>
@@ -18190,7 +18190,7 @@
         <p:spPr>
           <a:xfrm>
             <a:off x="586440" y="899640"/>
-            <a:ext cx="7930800" cy="1536120"/>
+            <a:ext cx="7930440" cy="1535760"/>
           </a:xfrm>
           <a:prstGeom prst="rect">
             <a:avLst/>
@@ -18242,7 +18242,7 @@
         <p:spPr>
           <a:xfrm>
             <a:off x="608040" y="2545560"/>
-            <a:ext cx="3711240" cy="2254680"/>
+            <a:ext cx="3710880" cy="2254320"/>
           </a:xfrm>
           <a:prstGeom prst="rect">
             <a:avLst/>
@@ -18294,7 +18294,7 @@
         <p:spPr>
           <a:xfrm>
             <a:off x="4806360" y="2545560"/>
-            <a:ext cx="3711240" cy="2254680"/>
+            <a:ext cx="3710880" cy="2254320"/>
           </a:xfrm>
           <a:prstGeom prst="rect">
             <a:avLst/>
@@ -18346,7 +18346,7 @@
         <p:spPr>
           <a:xfrm>
             <a:off x="583200" y="450720"/>
-            <a:ext cx="7197120" cy="511200"/>
+            <a:ext cx="7196760" cy="510840"/>
           </a:xfrm>
           <a:prstGeom prst="rect">
             <a:avLst/>
@@ -18428,7 +18428,7 @@
         <p:spPr>
           <a:xfrm>
             <a:off x="586440" y="1246680"/>
-            <a:ext cx="4003200" cy="3598920"/>
+            <a:ext cx="4002840" cy="3598560"/>
           </a:xfrm>
           <a:prstGeom prst="rect">
             <a:avLst/>
@@ -18480,7 +18480,7 @@
         <p:spPr>
           <a:xfrm>
             <a:off x="559800" y="446040"/>
-            <a:ext cx="4282560" cy="682560"/>
+            <a:ext cx="4282200" cy="682200"/>
           </a:xfrm>
           <a:prstGeom prst="rect">
             <a:avLst/>
@@ -18532,7 +18532,7 @@
         <p:spPr>
           <a:xfrm>
             <a:off x="5097600" y="360"/>
-            <a:ext cx="4378680" cy="5142960"/>
+            <a:ext cx="4378320" cy="5142600"/>
           </a:xfrm>
           <a:prstGeom prst="roundRect">
             <a:avLst>
@@ -18597,8 +18597,8 @@
         </p:nvSpPr>
         <p:spPr>
           <a:xfrm rot="2744400">
-            <a:off x="-279720" y="-25560"/>
-            <a:ext cx="703440" cy="703080"/>
+            <a:off x="-279360" y="-25560"/>
+            <a:ext cx="703080" cy="702720"/>
           </a:xfrm>
           <a:prstGeom prst="roundRect">
             <a:avLst>
@@ -18635,8 +18635,8 @@
         </p:nvSpPr>
         <p:spPr>
           <a:xfrm rot="2625600">
-            <a:off x="4861080" y="4146120"/>
-            <a:ext cx="467280" cy="467280"/>
+            <a:off x="4861080" y="4145760"/>
+            <a:ext cx="466920" cy="466920"/>
           </a:xfrm>
           <a:prstGeom prst="roundRect">
             <a:avLst>
@@ -18710,8 +18710,8 @@
         </p:nvSpPr>
         <p:spPr>
           <a:xfrm rot="2744400">
-            <a:off x="-348840" y="4539240"/>
-            <a:ext cx="703440" cy="703080"/>
+            <a:off x="-348480" y="4538880"/>
+            <a:ext cx="703080" cy="702720"/>
           </a:xfrm>
           <a:prstGeom prst="roundRect">
             <a:avLst>
@@ -18748,8 +18748,8 @@
         </p:nvSpPr>
         <p:spPr>
           <a:xfrm rot="19228200">
-            <a:off x="5845680" y="-2265480"/>
-            <a:ext cx="4854240" cy="7725240"/>
+            <a:off x="5845320" y="-2265120"/>
+            <a:ext cx="4853880" cy="7724880"/>
           </a:xfrm>
           <a:prstGeom prst="roundRect">
             <a:avLst>
@@ -18787,9 +18787,9 @@
         <p:grpSpPr>
           <a:xfrm>
             <a:off x="4571640" y="828000"/>
-            <a:ext cx="4467240" cy="3563280"/>
+            <a:ext cx="4466880" cy="3562920"/>
             <a:chOff x="4571640" y="828000"/>
-            <a:chExt cx="4467240" cy="3563280"/>
+            <a:chExt cx="4466880" cy="3562920"/>
           </a:xfrm>
         </p:grpSpPr>
         <p:pic>
@@ -18805,7 +18805,7 @@
           <p:spPr>
             <a:xfrm>
               <a:off x="4571640" y="828000"/>
-              <a:ext cx="4467240" cy="3563280"/>
+              <a:ext cx="4466880" cy="3562920"/>
             </a:xfrm>
             <a:prstGeom prst="rect">
               <a:avLst/>
@@ -18823,8 +18823,8 @@
           </p:nvSpPr>
           <p:spPr>
             <a:xfrm rot="16200000">
-              <a:off x="5962680" y="1159920"/>
-              <a:ext cx="1736280" cy="2770200"/>
+              <a:off x="5962680" y="1160280"/>
+              <a:ext cx="1735920" cy="2769840"/>
             </a:xfrm>
             <a:prstGeom prst="roundRect">
               <a:avLst>
@@ -18891,7 +18891,7 @@
         <p:spPr>
           <a:xfrm>
             <a:off x="586440" y="1246680"/>
-            <a:ext cx="4003200" cy="3598920"/>
+            <a:ext cx="4002840" cy="3598560"/>
           </a:xfrm>
           <a:prstGeom prst="rect">
             <a:avLst/>
@@ -18943,7 +18943,7 @@
         <p:spPr>
           <a:xfrm>
             <a:off x="5446080" y="1672200"/>
-            <a:ext cx="2779200" cy="1736280"/>
+            <a:ext cx="2778840" cy="1735920"/>
           </a:xfrm>
           <a:prstGeom prst="rect">
             <a:avLst/>
@@ -18995,7 +18995,7 @@
         <p:spPr>
           <a:xfrm>
             <a:off x="586440" y="453960"/>
-            <a:ext cx="3695760" cy="854280"/>
+            <a:ext cx="3695400" cy="853920"/>
           </a:xfrm>
           <a:prstGeom prst="rect">
             <a:avLst/>
@@ -19084,7 +19084,7 @@
         <p:spPr>
           <a:xfrm>
             <a:off x="4222080" y="1246680"/>
-            <a:ext cx="4114080" cy="3598920"/>
+            <a:ext cx="4113720" cy="3598560"/>
           </a:xfrm>
           <a:prstGeom prst="rect">
             <a:avLst/>
@@ -19135,8 +19135,8 @@
         </p:nvSpPr>
         <p:spPr>
           <a:xfrm rot="16200000">
-            <a:off x="-2181600" y="1734480"/>
-            <a:ext cx="5142960" cy="1683000"/>
+            <a:off x="-2181600" y="1734840"/>
+            <a:ext cx="5142600" cy="1682640"/>
           </a:xfrm>
           <a:prstGeom prst="roundRect">
             <a:avLst>
@@ -19173,8 +19173,8 @@
         </p:nvSpPr>
         <p:spPr>
           <a:xfrm rot="2745000">
-            <a:off x="8575200" y="102960"/>
-            <a:ext cx="1131480" cy="1131120"/>
+            <a:off x="8575200" y="102600"/>
+            <a:ext cx="1131120" cy="1130760"/>
           </a:xfrm>
           <a:prstGeom prst="roundRect">
             <a:avLst>
@@ -19211,8 +19211,8 @@
         </p:nvSpPr>
         <p:spPr>
           <a:xfrm rot="16200000">
-            <a:off x="614880" y="919800"/>
-            <a:ext cx="3231000" cy="3312720"/>
+            <a:off x="614880" y="920160"/>
+            <a:ext cx="3230640" cy="3312360"/>
           </a:xfrm>
           <a:prstGeom prst="roundRect">
             <a:avLst>
@@ -19278,7 +19278,7 @@
         <p:spPr>
           <a:xfrm>
             <a:off x="4214160" y="456120"/>
-            <a:ext cx="4110840" cy="854280"/>
+            <a:ext cx="4110480" cy="853920"/>
           </a:xfrm>
           <a:prstGeom prst="rect">
             <a:avLst/>
@@ -19366,8 +19366,8 @@
         </p:nvSpPr>
         <p:spPr>
           <a:xfrm rot="2744400">
-            <a:off x="-279720" y="-25560"/>
-            <a:ext cx="703440" cy="703080"/>
+            <a:off x="-279360" y="-25560"/>
+            <a:ext cx="703080" cy="702720"/>
           </a:xfrm>
           <a:prstGeom prst="roundRect">
             <a:avLst>
@@ -19404,8 +19404,8 @@
         </p:nvSpPr>
         <p:spPr>
           <a:xfrm rot="2332200">
-            <a:off x="6009120" y="-319680"/>
-            <a:ext cx="4854600" cy="7725600"/>
+            <a:off x="6009120" y="-319320"/>
+            <a:ext cx="4854240" cy="7725240"/>
           </a:xfrm>
           <a:prstGeom prst="roundRect">
             <a:avLst>
@@ -19443,9 +19443,9 @@
         <p:grpSpPr>
           <a:xfrm>
             <a:off x="4571640" y="828000"/>
-            <a:ext cx="4467240" cy="3563280"/>
+            <a:ext cx="4466880" cy="3562920"/>
             <a:chOff x="4571640" y="828000"/>
-            <a:chExt cx="4467240" cy="3563280"/>
+            <a:chExt cx="4466880" cy="3562920"/>
           </a:xfrm>
         </p:grpSpPr>
         <p:pic>
@@ -19461,7 +19461,7 @@
           <p:spPr>
             <a:xfrm>
               <a:off x="4571640" y="828000"/>
-              <a:ext cx="4467240" cy="3563280"/>
+              <a:ext cx="4466880" cy="3562920"/>
             </a:xfrm>
             <a:prstGeom prst="rect">
               <a:avLst/>
@@ -19479,8 +19479,8 @@
           </p:nvSpPr>
           <p:spPr>
             <a:xfrm rot="16200000">
-              <a:off x="5962680" y="1159920"/>
-              <a:ext cx="1736280" cy="2770200"/>
+              <a:off x="5962680" y="1160280"/>
+              <a:ext cx="1735920" cy="2769840"/>
             </a:xfrm>
             <a:prstGeom prst="roundRect">
               <a:avLst>
@@ -19547,7 +19547,7 @@
         <p:spPr>
           <a:xfrm>
             <a:off x="5446080" y="1672200"/>
-            <a:ext cx="2769840" cy="1736280"/>
+            <a:ext cx="2769480" cy="1735920"/>
           </a:xfrm>
           <a:prstGeom prst="rect">
             <a:avLst/>
@@ -19599,7 +19599,7 @@
         <p:spPr>
           <a:xfrm>
             <a:off x="586440" y="1246680"/>
-            <a:ext cx="4003200" cy="3598920"/>
+            <a:ext cx="4002840" cy="3598560"/>
           </a:xfrm>
           <a:prstGeom prst="rect">
             <a:avLst/>
@@ -19651,7 +19651,7 @@
         <p:spPr>
           <a:xfrm>
             <a:off x="586440" y="453960"/>
-            <a:ext cx="4763160" cy="854280"/>
+            <a:ext cx="4762800" cy="853920"/>
           </a:xfrm>
           <a:prstGeom prst="rect">
             <a:avLst/>
@@ -19739,8 +19739,8 @@
         </p:nvSpPr>
         <p:spPr>
           <a:xfrm rot="2745600">
-            <a:off x="8349840" y="-667800"/>
-            <a:ext cx="1497240" cy="1497240"/>
+            <a:off x="8350200" y="-667800"/>
+            <a:ext cx="1496880" cy="1496880"/>
           </a:xfrm>
           <a:prstGeom prst="roundRect">
             <a:avLst>
@@ -19777,8 +19777,8 @@
         </p:nvSpPr>
         <p:spPr>
           <a:xfrm rot="2745600">
-            <a:off x="7634160" y="-322200"/>
-            <a:ext cx="806040" cy="806400"/>
+            <a:off x="7634160" y="-321840"/>
+            <a:ext cx="805680" cy="806040"/>
           </a:xfrm>
           <a:prstGeom prst="roundRect">
             <a:avLst>
@@ -19817,7 +19817,7 @@
         <p:spPr>
           <a:xfrm>
             <a:off x="586440" y="899640"/>
-            <a:ext cx="7930800" cy="1536120"/>
+            <a:ext cx="7930440" cy="1535760"/>
           </a:xfrm>
           <a:prstGeom prst="rect">
             <a:avLst/>
@@ -19869,7 +19869,7 @@
         <p:spPr>
           <a:xfrm>
             <a:off x="608040" y="2545560"/>
-            <a:ext cx="3711240" cy="2254680"/>
+            <a:ext cx="3710880" cy="2254320"/>
           </a:xfrm>
           <a:prstGeom prst="rect">
             <a:avLst/>
@@ -19921,7 +19921,7 @@
         <p:spPr>
           <a:xfrm>
             <a:off x="4806360" y="2545560"/>
-            <a:ext cx="3711240" cy="2254680"/>
+            <a:ext cx="3710880" cy="2254320"/>
           </a:xfrm>
           <a:prstGeom prst="rect">
             <a:avLst/>
@@ -19973,7 +19973,7 @@
         <p:spPr>
           <a:xfrm>
             <a:off x="583200" y="450720"/>
-            <a:ext cx="7197120" cy="511200"/>
+            <a:ext cx="7196760" cy="510840"/>
           </a:xfrm>
           <a:prstGeom prst="rect">
             <a:avLst/>
@@ -20055,7 +20055,7 @@
         <p:spPr>
           <a:xfrm>
             <a:off x="586440" y="1246680"/>
-            <a:ext cx="4003200" cy="3598920"/>
+            <a:ext cx="4002840" cy="3598560"/>
           </a:xfrm>
           <a:prstGeom prst="rect">
             <a:avLst/>
@@ -20107,7 +20107,7 @@
         <p:spPr>
           <a:xfrm>
             <a:off x="559800" y="446040"/>
-            <a:ext cx="4282560" cy="682560"/>
+            <a:ext cx="4282200" cy="682200"/>
           </a:xfrm>
           <a:prstGeom prst="rect">
             <a:avLst/>
@@ -20159,7 +20159,7 @@
         <p:spPr>
           <a:xfrm>
             <a:off x="5097600" y="360"/>
-            <a:ext cx="4378680" cy="5142960"/>
+            <a:ext cx="4378320" cy="5142600"/>
           </a:xfrm>
           <a:prstGeom prst="roundRect">
             <a:avLst>
@@ -20224,8 +20224,8 @@
         </p:nvSpPr>
         <p:spPr>
           <a:xfrm rot="2744400">
-            <a:off x="-279720" y="-25560"/>
-            <a:ext cx="703440" cy="703080"/>
+            <a:off x="-279360" y="-25560"/>
+            <a:ext cx="703080" cy="702720"/>
           </a:xfrm>
           <a:prstGeom prst="roundRect">
             <a:avLst>
@@ -20262,8 +20262,8 @@
         </p:nvSpPr>
         <p:spPr>
           <a:xfrm rot="2625600">
-            <a:off x="4861080" y="4146120"/>
-            <a:ext cx="467280" cy="467280"/>
+            <a:off x="4861080" y="4145760"/>
+            <a:ext cx="466920" cy="466920"/>
           </a:xfrm>
           <a:prstGeom prst="roundRect">
             <a:avLst>
@@ -20337,8 +20337,8 @@
         </p:nvSpPr>
         <p:spPr>
           <a:xfrm rot="2744400">
-            <a:off x="-348840" y="4539240"/>
-            <a:ext cx="703440" cy="703080"/>
+            <a:off x="-348480" y="4538880"/>
+            <a:ext cx="703080" cy="702720"/>
           </a:xfrm>
           <a:prstGeom prst="roundRect">
             <a:avLst>
@@ -20375,8 +20375,8 @@
         </p:nvSpPr>
         <p:spPr>
           <a:xfrm rot="19228200">
-            <a:off x="5845680" y="-2265480"/>
-            <a:ext cx="4854240" cy="7725240"/>
+            <a:off x="5845320" y="-2265120"/>
+            <a:ext cx="4853880" cy="7724880"/>
           </a:xfrm>
           <a:prstGeom prst="roundRect">
             <a:avLst>
@@ -20414,9 +20414,9 @@
         <p:grpSpPr>
           <a:xfrm>
             <a:off x="4571640" y="828000"/>
-            <a:ext cx="4467240" cy="3563280"/>
+            <a:ext cx="4466880" cy="3562920"/>
             <a:chOff x="4571640" y="828000"/>
-            <a:chExt cx="4467240" cy="3563280"/>
+            <a:chExt cx="4466880" cy="3562920"/>
           </a:xfrm>
         </p:grpSpPr>
         <p:pic>
@@ -20432,7 +20432,7 @@
           <p:spPr>
             <a:xfrm>
               <a:off x="4571640" y="828000"/>
-              <a:ext cx="4467240" cy="3563280"/>
+              <a:ext cx="4466880" cy="3562920"/>
             </a:xfrm>
             <a:prstGeom prst="rect">
               <a:avLst/>
@@ -20450,8 +20450,8 @@
           </p:nvSpPr>
           <p:spPr>
             <a:xfrm rot="16200000">
-              <a:off x="5962680" y="1159920"/>
-              <a:ext cx="1736280" cy="2770200"/>
+              <a:off x="5962680" y="1160280"/>
+              <a:ext cx="1735920" cy="2769840"/>
             </a:xfrm>
             <a:prstGeom prst="roundRect">
               <a:avLst>
@@ -20518,7 +20518,7 @@
         <p:spPr>
           <a:xfrm>
             <a:off x="586440" y="1246680"/>
-            <a:ext cx="4003200" cy="3598920"/>
+            <a:ext cx="4002840" cy="3598560"/>
           </a:xfrm>
           <a:prstGeom prst="rect">
             <a:avLst/>
@@ -20570,7 +20570,7 @@
         <p:spPr>
           <a:xfrm>
             <a:off x="5446080" y="1672200"/>
-            <a:ext cx="2779200" cy="1736280"/>
+            <a:ext cx="2778840" cy="1735920"/>
           </a:xfrm>
           <a:prstGeom prst="rect">
             <a:avLst/>
@@ -20622,7 +20622,7 @@
         <p:spPr>
           <a:xfrm>
             <a:off x="586440" y="453960"/>
-            <a:ext cx="3695760" cy="854280"/>
+            <a:ext cx="3695400" cy="853920"/>
           </a:xfrm>
           <a:prstGeom prst="rect">
             <a:avLst/>
@@ -20711,7 +20711,7 @@
         <p:spPr>
           <a:xfrm>
             <a:off x="4222080" y="1246680"/>
-            <a:ext cx="4114080" cy="3598920"/>
+            <a:ext cx="4113720" cy="3598560"/>
           </a:xfrm>
           <a:prstGeom prst="rect">
             <a:avLst/>
@@ -20762,8 +20762,8 @@
         </p:nvSpPr>
         <p:spPr>
           <a:xfrm rot="16200000">
-            <a:off x="-2181600" y="1734480"/>
-            <a:ext cx="5142960" cy="1683000"/>
+            <a:off x="-2181600" y="1734840"/>
+            <a:ext cx="5142600" cy="1682640"/>
           </a:xfrm>
           <a:prstGeom prst="roundRect">
             <a:avLst>
@@ -20800,8 +20800,8 @@
         </p:nvSpPr>
         <p:spPr>
           <a:xfrm rot="2745000">
-            <a:off x="8575200" y="102960"/>
-            <a:ext cx="1131480" cy="1131120"/>
+            <a:off x="8575200" y="102600"/>
+            <a:ext cx="1131120" cy="1130760"/>
           </a:xfrm>
           <a:prstGeom prst="roundRect">
             <a:avLst>
@@ -20838,8 +20838,8 @@
         </p:nvSpPr>
         <p:spPr>
           <a:xfrm rot="16200000">
-            <a:off x="614880" y="919800"/>
-            <a:ext cx="3231000" cy="3312720"/>
+            <a:off x="614880" y="920160"/>
+            <a:ext cx="3230640" cy="3312360"/>
           </a:xfrm>
           <a:prstGeom prst="roundRect">
             <a:avLst>
@@ -20905,7 +20905,7 @@
         <p:spPr>
           <a:xfrm>
             <a:off x="4214160" y="456120"/>
-            <a:ext cx="4110840" cy="854280"/>
+            <a:ext cx="4110480" cy="853920"/>
           </a:xfrm>
           <a:prstGeom prst="rect">
             <a:avLst/>
@@ -20994,7 +20994,7 @@
         <p:spPr>
           <a:xfrm>
             <a:off x="4222080" y="1246680"/>
-            <a:ext cx="4114080" cy="3598920"/>
+            <a:ext cx="4113720" cy="3598560"/>
           </a:xfrm>
           <a:prstGeom prst="rect">
             <a:avLst/>
@@ -21045,8 +21045,8 @@
         </p:nvSpPr>
         <p:spPr>
           <a:xfrm rot="16200000">
-            <a:off x="-2181600" y="1734480"/>
-            <a:ext cx="5142960" cy="1683000"/>
+            <a:off x="-2181600" y="1734840"/>
+            <a:ext cx="5142600" cy="1682640"/>
           </a:xfrm>
           <a:prstGeom prst="roundRect">
             <a:avLst>
@@ -21083,8 +21083,8 @@
         </p:nvSpPr>
         <p:spPr>
           <a:xfrm rot="2745000">
-            <a:off x="8575200" y="102960"/>
-            <a:ext cx="1131480" cy="1131120"/>
+            <a:off x="8575200" y="102600"/>
+            <a:ext cx="1131120" cy="1130760"/>
           </a:xfrm>
           <a:prstGeom prst="roundRect">
             <a:avLst>
@@ -21121,8 +21121,8 @@
         </p:nvSpPr>
         <p:spPr>
           <a:xfrm rot="16200000">
-            <a:off x="614880" y="919800"/>
-            <a:ext cx="3231000" cy="3312720"/>
+            <a:off x="614880" y="920160"/>
+            <a:ext cx="3230640" cy="3312360"/>
           </a:xfrm>
           <a:prstGeom prst="roundRect">
             <a:avLst>
@@ -21188,7 +21188,7 @@
         <p:spPr>
           <a:xfrm>
             <a:off x="4214160" y="456120"/>
-            <a:ext cx="4110840" cy="854280"/>
+            <a:ext cx="4110480" cy="853920"/>
           </a:xfrm>
           <a:prstGeom prst="rect">
             <a:avLst/>
@@ -21276,8 +21276,8 @@
         </p:nvSpPr>
         <p:spPr>
           <a:xfrm rot="2744400">
-            <a:off x="-279720" y="-25560"/>
-            <a:ext cx="703440" cy="703080"/>
+            <a:off x="-279360" y="-25560"/>
+            <a:ext cx="703080" cy="702720"/>
           </a:xfrm>
           <a:prstGeom prst="roundRect">
             <a:avLst>
@@ -21314,8 +21314,8 @@
         </p:nvSpPr>
         <p:spPr>
           <a:xfrm rot="2332200">
-            <a:off x="6009120" y="-319680"/>
-            <a:ext cx="4854600" cy="7725600"/>
+            <a:off x="6009120" y="-319320"/>
+            <a:ext cx="4854240" cy="7725240"/>
           </a:xfrm>
           <a:prstGeom prst="roundRect">
             <a:avLst>
@@ -21353,9 +21353,9 @@
         <p:grpSpPr>
           <a:xfrm>
             <a:off x="4571640" y="828000"/>
-            <a:ext cx="4467240" cy="3563280"/>
+            <a:ext cx="4466880" cy="3562920"/>
             <a:chOff x="4571640" y="828000"/>
-            <a:chExt cx="4467240" cy="3563280"/>
+            <a:chExt cx="4466880" cy="3562920"/>
           </a:xfrm>
         </p:grpSpPr>
         <p:pic>
@@ -21371,7 +21371,7 @@
           <p:spPr>
             <a:xfrm>
               <a:off x="4571640" y="828000"/>
-              <a:ext cx="4467240" cy="3563280"/>
+              <a:ext cx="4466880" cy="3562920"/>
             </a:xfrm>
             <a:prstGeom prst="rect">
               <a:avLst/>
@@ -21389,8 +21389,8 @@
           </p:nvSpPr>
           <p:spPr>
             <a:xfrm rot="16200000">
-              <a:off x="5962680" y="1159920"/>
-              <a:ext cx="1736280" cy="2770200"/>
+              <a:off x="5962680" y="1160280"/>
+              <a:ext cx="1735920" cy="2769840"/>
             </a:xfrm>
             <a:prstGeom prst="roundRect">
               <a:avLst>
@@ -21457,7 +21457,7 @@
         <p:spPr>
           <a:xfrm>
             <a:off x="5446080" y="1672200"/>
-            <a:ext cx="2769840" cy="1736280"/>
+            <a:ext cx="2769480" cy="1735920"/>
           </a:xfrm>
           <a:prstGeom prst="rect">
             <a:avLst/>
@@ -21509,7 +21509,7 @@
         <p:spPr>
           <a:xfrm>
             <a:off x="586440" y="1246680"/>
-            <a:ext cx="4003200" cy="3598920"/>
+            <a:ext cx="4002840" cy="3598560"/>
           </a:xfrm>
           <a:prstGeom prst="rect">
             <a:avLst/>
@@ -21561,7 +21561,7 @@
         <p:spPr>
           <a:xfrm>
             <a:off x="586440" y="453960"/>
-            <a:ext cx="4763160" cy="854280"/>
+            <a:ext cx="4762800" cy="853920"/>
           </a:xfrm>
           <a:prstGeom prst="rect">
             <a:avLst/>
@@ -21649,8 +21649,8 @@
         </p:nvSpPr>
         <p:spPr>
           <a:xfrm rot="2745600">
-            <a:off x="8349840" y="-667800"/>
-            <a:ext cx="1497240" cy="1497240"/>
+            <a:off x="8350200" y="-667800"/>
+            <a:ext cx="1496880" cy="1496880"/>
           </a:xfrm>
           <a:prstGeom prst="roundRect">
             <a:avLst>
@@ -21687,8 +21687,8 @@
         </p:nvSpPr>
         <p:spPr>
           <a:xfrm rot="2745600">
-            <a:off x="7634160" y="-322200"/>
-            <a:ext cx="806040" cy="806400"/>
+            <a:off x="7634160" y="-321840"/>
+            <a:ext cx="805680" cy="806040"/>
           </a:xfrm>
           <a:prstGeom prst="roundRect">
             <a:avLst>
@@ -21727,7 +21727,7 @@
         <p:spPr>
           <a:xfrm>
             <a:off x="586440" y="899640"/>
-            <a:ext cx="7930800" cy="1536120"/>
+            <a:ext cx="7930440" cy="1535760"/>
           </a:xfrm>
           <a:prstGeom prst="rect">
             <a:avLst/>
@@ -21779,7 +21779,7 @@
         <p:spPr>
           <a:xfrm>
             <a:off x="608040" y="2545560"/>
-            <a:ext cx="3711240" cy="2254680"/>
+            <a:ext cx="3710880" cy="2254320"/>
           </a:xfrm>
           <a:prstGeom prst="rect">
             <a:avLst/>
@@ -21831,7 +21831,7 @@
         <p:spPr>
           <a:xfrm>
             <a:off x="4806360" y="2545560"/>
-            <a:ext cx="3711240" cy="2254680"/>
+            <a:ext cx="3710880" cy="2254320"/>
           </a:xfrm>
           <a:prstGeom prst="rect">
             <a:avLst/>
@@ -21883,7 +21883,7 @@
         <p:spPr>
           <a:xfrm>
             <a:off x="583200" y="450720"/>
-            <a:ext cx="7197120" cy="511200"/>
+            <a:ext cx="7196760" cy="510840"/>
           </a:xfrm>
           <a:prstGeom prst="rect">
             <a:avLst/>
@@ -21965,7 +21965,7 @@
         <p:spPr>
           <a:xfrm>
             <a:off x="586440" y="1246680"/>
-            <a:ext cx="4003200" cy="3598920"/>
+            <a:ext cx="4002840" cy="3598560"/>
           </a:xfrm>
           <a:prstGeom prst="rect">
             <a:avLst/>
@@ -22017,7 +22017,7 @@
         <p:spPr>
           <a:xfrm>
             <a:off x="559800" y="446040"/>
-            <a:ext cx="4282560" cy="682560"/>
+            <a:ext cx="4282200" cy="682200"/>
           </a:xfrm>
           <a:prstGeom prst="rect">
             <a:avLst/>
@@ -22069,7 +22069,7 @@
         <p:spPr>
           <a:xfrm>
             <a:off x="5097600" y="360"/>
-            <a:ext cx="4378680" cy="5142960"/>
+            <a:ext cx="4378320" cy="5142600"/>
           </a:xfrm>
           <a:prstGeom prst="roundRect">
             <a:avLst>
@@ -22134,8 +22134,8 @@
         </p:nvSpPr>
         <p:spPr>
           <a:xfrm rot="2744400">
-            <a:off x="-279720" y="-25560"/>
-            <a:ext cx="703440" cy="703080"/>
+            <a:off x="-279360" y="-25560"/>
+            <a:ext cx="703080" cy="702720"/>
           </a:xfrm>
           <a:prstGeom prst="roundRect">
             <a:avLst>
@@ -22172,8 +22172,8 @@
         </p:nvSpPr>
         <p:spPr>
           <a:xfrm rot="2625600">
-            <a:off x="4861080" y="4146120"/>
-            <a:ext cx="467280" cy="467280"/>
+            <a:off x="4861080" y="4145760"/>
+            <a:ext cx="466920" cy="466920"/>
           </a:xfrm>
           <a:prstGeom prst="roundRect">
             <a:avLst>
@@ -22247,8 +22247,8 @@
         </p:nvSpPr>
         <p:spPr>
           <a:xfrm rot="2744400">
-            <a:off x="-348840" y="4539240"/>
-            <a:ext cx="703440" cy="703080"/>
+            <a:off x="-348480" y="4538880"/>
+            <a:ext cx="703080" cy="702720"/>
           </a:xfrm>
           <a:prstGeom prst="roundRect">
             <a:avLst>
@@ -22285,8 +22285,8 @@
         </p:nvSpPr>
         <p:spPr>
           <a:xfrm rot="19228200">
-            <a:off x="5845680" y="-2265480"/>
-            <a:ext cx="4854240" cy="7725240"/>
+            <a:off x="5845320" y="-2265120"/>
+            <a:ext cx="4853880" cy="7724880"/>
           </a:xfrm>
           <a:prstGeom prst="roundRect">
             <a:avLst>
@@ -22324,9 +22324,9 @@
         <p:grpSpPr>
           <a:xfrm>
             <a:off x="4571640" y="828000"/>
-            <a:ext cx="4467240" cy="3563280"/>
+            <a:ext cx="4466880" cy="3562920"/>
             <a:chOff x="4571640" y="828000"/>
-            <a:chExt cx="4467240" cy="3563280"/>
+            <a:chExt cx="4466880" cy="3562920"/>
           </a:xfrm>
         </p:grpSpPr>
         <p:pic>
@@ -22342,7 +22342,7 @@
           <p:spPr>
             <a:xfrm>
               <a:off x="4571640" y="828000"/>
-              <a:ext cx="4467240" cy="3563280"/>
+              <a:ext cx="4466880" cy="3562920"/>
             </a:xfrm>
             <a:prstGeom prst="rect">
               <a:avLst/>
@@ -22360,8 +22360,8 @@
           </p:nvSpPr>
           <p:spPr>
             <a:xfrm rot="16200000">
-              <a:off x="5962680" y="1159920"/>
-              <a:ext cx="1736280" cy="2770200"/>
+              <a:off x="5962680" y="1160280"/>
+              <a:ext cx="1735920" cy="2769840"/>
             </a:xfrm>
             <a:prstGeom prst="roundRect">
               <a:avLst>
@@ -22428,7 +22428,7 @@
         <p:spPr>
           <a:xfrm>
             <a:off x="586440" y="1246680"/>
-            <a:ext cx="4003200" cy="3598920"/>
+            <a:ext cx="4002840" cy="3598560"/>
           </a:xfrm>
           <a:prstGeom prst="rect">
             <a:avLst/>
@@ -22480,7 +22480,7 @@
         <p:spPr>
           <a:xfrm>
             <a:off x="5446080" y="1672200"/>
-            <a:ext cx="2779200" cy="1736280"/>
+            <a:ext cx="2778840" cy="1735920"/>
           </a:xfrm>
           <a:prstGeom prst="rect">
             <a:avLst/>
@@ -22532,7 +22532,7 @@
         <p:spPr>
           <a:xfrm>
             <a:off x="586440" y="453960"/>
-            <a:ext cx="3695760" cy="854280"/>
+            <a:ext cx="3695400" cy="853920"/>
           </a:xfrm>
           <a:prstGeom prst="rect">
             <a:avLst/>
@@ -22621,7 +22621,7 @@
         <p:spPr>
           <a:xfrm>
             <a:off x="4222080" y="1246680"/>
-            <a:ext cx="4114080" cy="3598920"/>
+            <a:ext cx="4113720" cy="3598560"/>
           </a:xfrm>
           <a:prstGeom prst="rect">
             <a:avLst/>
@@ -22672,8 +22672,8 @@
         </p:nvSpPr>
         <p:spPr>
           <a:xfrm rot="16200000">
-            <a:off x="-2181600" y="1734480"/>
-            <a:ext cx="5142960" cy="1683000"/>
+            <a:off x="-2181600" y="1734840"/>
+            <a:ext cx="5142600" cy="1682640"/>
           </a:xfrm>
           <a:prstGeom prst="roundRect">
             <a:avLst>
@@ -22710,8 +22710,8 @@
         </p:nvSpPr>
         <p:spPr>
           <a:xfrm rot="2745000">
-            <a:off x="8575200" y="102960"/>
-            <a:ext cx="1131480" cy="1131120"/>
+            <a:off x="8575200" y="102600"/>
+            <a:ext cx="1131120" cy="1130760"/>
           </a:xfrm>
           <a:prstGeom prst="roundRect">
             <a:avLst>
@@ -22748,8 +22748,8 @@
         </p:nvSpPr>
         <p:spPr>
           <a:xfrm rot="16200000">
-            <a:off x="614880" y="919800"/>
-            <a:ext cx="3231000" cy="3312720"/>
+            <a:off x="614880" y="920160"/>
+            <a:ext cx="3230640" cy="3312360"/>
           </a:xfrm>
           <a:prstGeom prst="roundRect">
             <a:avLst>
@@ -22815,7 +22815,7 @@
         <p:spPr>
           <a:xfrm>
             <a:off x="4214160" y="456120"/>
-            <a:ext cx="4110840" cy="854280"/>
+            <a:ext cx="4110480" cy="853920"/>
           </a:xfrm>
           <a:prstGeom prst="rect">
             <a:avLst/>
@@ -22903,8 +22903,8 @@
         </p:nvSpPr>
         <p:spPr>
           <a:xfrm rot="2744400">
-            <a:off x="-279720" y="-25560"/>
-            <a:ext cx="703440" cy="703080"/>
+            <a:off x="-279360" y="-25560"/>
+            <a:ext cx="703080" cy="702720"/>
           </a:xfrm>
           <a:prstGeom prst="roundRect">
             <a:avLst>
@@ -22941,8 +22941,8 @@
         </p:nvSpPr>
         <p:spPr>
           <a:xfrm rot="2332200">
-            <a:off x="6009120" y="-319680"/>
-            <a:ext cx="4854600" cy="7725600"/>
+            <a:off x="6009120" y="-319320"/>
+            <a:ext cx="4854240" cy="7725240"/>
           </a:xfrm>
           <a:prstGeom prst="roundRect">
             <a:avLst>
@@ -22980,9 +22980,9 @@
         <p:grpSpPr>
           <a:xfrm>
             <a:off x="4571640" y="828000"/>
-            <a:ext cx="4467240" cy="3563280"/>
+            <a:ext cx="4466880" cy="3562920"/>
             <a:chOff x="4571640" y="828000"/>
-            <a:chExt cx="4467240" cy="3563280"/>
+            <a:chExt cx="4466880" cy="3562920"/>
           </a:xfrm>
         </p:grpSpPr>
         <p:pic>
@@ -22998,7 +22998,7 @@
           <p:spPr>
             <a:xfrm>
               <a:off x="4571640" y="828000"/>
-              <a:ext cx="4467240" cy="3563280"/>
+              <a:ext cx="4466880" cy="3562920"/>
             </a:xfrm>
             <a:prstGeom prst="rect">
               <a:avLst/>
@@ -23016,8 +23016,8 @@
           </p:nvSpPr>
           <p:spPr>
             <a:xfrm rot="16200000">
-              <a:off x="5962680" y="1159920"/>
-              <a:ext cx="1736280" cy="2770200"/>
+              <a:off x="5962680" y="1160280"/>
+              <a:ext cx="1735920" cy="2769840"/>
             </a:xfrm>
             <a:prstGeom prst="roundRect">
               <a:avLst>
@@ -23084,7 +23084,7 @@
         <p:spPr>
           <a:xfrm>
             <a:off x="5446080" y="1672200"/>
-            <a:ext cx="2769840" cy="1736280"/>
+            <a:ext cx="2769480" cy="1735920"/>
           </a:xfrm>
           <a:prstGeom prst="rect">
             <a:avLst/>
@@ -23136,7 +23136,7 @@
         <p:spPr>
           <a:xfrm>
             <a:off x="586440" y="1246680"/>
-            <a:ext cx="4003200" cy="3598920"/>
+            <a:ext cx="4002840" cy="3598560"/>
           </a:xfrm>
           <a:prstGeom prst="rect">
             <a:avLst/>
@@ -23188,7 +23188,7 @@
         <p:spPr>
           <a:xfrm>
             <a:off x="586440" y="453960"/>
-            <a:ext cx="4763160" cy="854280"/>
+            <a:ext cx="4762800" cy="853920"/>
           </a:xfrm>
           <a:prstGeom prst="rect">
             <a:avLst/>
@@ -23276,8 +23276,8 @@
         </p:nvSpPr>
         <p:spPr>
           <a:xfrm rot="2745600">
-            <a:off x="8349840" y="-667800"/>
-            <a:ext cx="1497240" cy="1497240"/>
+            <a:off x="8350200" y="-667800"/>
+            <a:ext cx="1496880" cy="1496880"/>
           </a:xfrm>
           <a:prstGeom prst="roundRect">
             <a:avLst>
@@ -23314,8 +23314,8 @@
         </p:nvSpPr>
         <p:spPr>
           <a:xfrm rot="2745600">
-            <a:off x="7634160" y="-322200"/>
-            <a:ext cx="806040" cy="806400"/>
+            <a:off x="7634160" y="-321840"/>
+            <a:ext cx="805680" cy="806040"/>
           </a:xfrm>
           <a:prstGeom prst="roundRect">
             <a:avLst>
@@ -23354,7 +23354,7 @@
         <p:spPr>
           <a:xfrm>
             <a:off x="586440" y="899640"/>
-            <a:ext cx="7930800" cy="1536120"/>
+            <a:ext cx="7930440" cy="1535760"/>
           </a:xfrm>
           <a:prstGeom prst="rect">
             <a:avLst/>
@@ -23406,7 +23406,7 @@
         <p:spPr>
           <a:xfrm>
             <a:off x="608040" y="2545560"/>
-            <a:ext cx="3711240" cy="2254680"/>
+            <a:ext cx="3710880" cy="2254320"/>
           </a:xfrm>
           <a:prstGeom prst="rect">
             <a:avLst/>
@@ -23458,7 +23458,7 @@
         <p:spPr>
           <a:xfrm>
             <a:off x="4806360" y="2545560"/>
-            <a:ext cx="3711240" cy="2254680"/>
+            <a:ext cx="3710880" cy="2254320"/>
           </a:xfrm>
           <a:prstGeom prst="rect">
             <a:avLst/>
@@ -23510,7 +23510,7 @@
         <p:spPr>
           <a:xfrm>
             <a:off x="583200" y="450720"/>
-            <a:ext cx="7197120" cy="511200"/>
+            <a:ext cx="7196760" cy="510840"/>
           </a:xfrm>
           <a:prstGeom prst="rect">
             <a:avLst/>
@@ -23592,7 +23592,7 @@
         <p:spPr>
           <a:xfrm>
             <a:off x="586440" y="1246680"/>
-            <a:ext cx="4003200" cy="3598920"/>
+            <a:ext cx="4002840" cy="3598560"/>
           </a:xfrm>
           <a:prstGeom prst="rect">
             <a:avLst/>
@@ -23644,7 +23644,7 @@
         <p:spPr>
           <a:xfrm>
             <a:off x="559800" y="446040"/>
-            <a:ext cx="4282560" cy="682560"/>
+            <a:ext cx="4282200" cy="682200"/>
           </a:xfrm>
           <a:prstGeom prst="rect">
             <a:avLst/>
@@ -23696,7 +23696,7 @@
         <p:spPr>
           <a:xfrm>
             <a:off x="5097600" y="360"/>
-            <a:ext cx="4378680" cy="5142960"/>
+            <a:ext cx="4378320" cy="5142600"/>
           </a:xfrm>
           <a:prstGeom prst="roundRect">
             <a:avLst>
@@ -23761,8 +23761,8 @@
         </p:nvSpPr>
         <p:spPr>
           <a:xfrm rot="2744400">
-            <a:off x="-279720" y="-25560"/>
-            <a:ext cx="703440" cy="703080"/>
+            <a:off x="-279360" y="-25560"/>
+            <a:ext cx="703080" cy="702720"/>
           </a:xfrm>
           <a:prstGeom prst="roundRect">
             <a:avLst>
@@ -23799,8 +23799,8 @@
         </p:nvSpPr>
         <p:spPr>
           <a:xfrm rot="2625600">
-            <a:off x="4861080" y="4146120"/>
-            <a:ext cx="467280" cy="467280"/>
+            <a:off x="4861080" y="4145760"/>
+            <a:ext cx="466920" cy="466920"/>
           </a:xfrm>
           <a:prstGeom prst="roundRect">
             <a:avLst>
@@ -23874,8 +23874,8 @@
         </p:nvSpPr>
         <p:spPr>
           <a:xfrm rot="2744400">
-            <a:off x="-348840" y="4539240"/>
-            <a:ext cx="703440" cy="703080"/>
+            <a:off x="-348480" y="4538880"/>
+            <a:ext cx="703080" cy="702720"/>
           </a:xfrm>
           <a:prstGeom prst="roundRect">
             <a:avLst>
@@ -23912,8 +23912,8 @@
         </p:nvSpPr>
         <p:spPr>
           <a:xfrm rot="19228200">
-            <a:off x="5845680" y="-2265480"/>
-            <a:ext cx="4854240" cy="7725240"/>
+            <a:off x="5845320" y="-2265120"/>
+            <a:ext cx="4853880" cy="7724880"/>
           </a:xfrm>
           <a:prstGeom prst="roundRect">
             <a:avLst>
@@ -23951,9 +23951,9 @@
         <p:grpSpPr>
           <a:xfrm>
             <a:off x="4571640" y="828000"/>
-            <a:ext cx="4467240" cy="3563280"/>
+            <a:ext cx="4466880" cy="3562920"/>
             <a:chOff x="4571640" y="828000"/>
-            <a:chExt cx="4467240" cy="3563280"/>
+            <a:chExt cx="4466880" cy="3562920"/>
           </a:xfrm>
         </p:grpSpPr>
         <p:pic>
@@ -23969,7 +23969,7 @@
           <p:spPr>
             <a:xfrm>
               <a:off x="4571640" y="828000"/>
-              <a:ext cx="4467240" cy="3563280"/>
+              <a:ext cx="4466880" cy="3562920"/>
             </a:xfrm>
             <a:prstGeom prst="rect">
               <a:avLst/>
@@ -23987,8 +23987,8 @@
           </p:nvSpPr>
           <p:spPr>
             <a:xfrm rot="16200000">
-              <a:off x="5962680" y="1159920"/>
-              <a:ext cx="1736280" cy="2770200"/>
+              <a:off x="5962680" y="1160280"/>
+              <a:ext cx="1735920" cy="2769840"/>
             </a:xfrm>
             <a:prstGeom prst="roundRect">
               <a:avLst>
@@ -24055,7 +24055,7 @@
         <p:spPr>
           <a:xfrm>
             <a:off x="586440" y="1246680"/>
-            <a:ext cx="4003200" cy="3598920"/>
+            <a:ext cx="4002840" cy="3598560"/>
           </a:xfrm>
           <a:prstGeom prst="rect">
             <a:avLst/>
@@ -24107,7 +24107,7 @@
         <p:spPr>
           <a:xfrm>
             <a:off x="5446080" y="1672200"/>
-            <a:ext cx="2779200" cy="1736280"/>
+            <a:ext cx="2778840" cy="1735920"/>
           </a:xfrm>
           <a:prstGeom prst="rect">
             <a:avLst/>
@@ -24159,7 +24159,7 @@
         <p:spPr>
           <a:xfrm>
             <a:off x="586440" y="453960"/>
-            <a:ext cx="3695760" cy="854280"/>
+            <a:ext cx="3695400" cy="853920"/>
           </a:xfrm>
           <a:prstGeom prst="rect">
             <a:avLst/>
@@ -24248,7 +24248,7 @@
         <p:spPr>
           <a:xfrm>
             <a:off x="4222080" y="1246680"/>
-            <a:ext cx="4114080" cy="3598920"/>
+            <a:ext cx="4113720" cy="3598560"/>
           </a:xfrm>
           <a:prstGeom prst="rect">
             <a:avLst/>
@@ -24299,8 +24299,8 @@
         </p:nvSpPr>
         <p:spPr>
           <a:xfrm rot="16200000">
-            <a:off x="-2181600" y="1734480"/>
-            <a:ext cx="5142960" cy="1683000"/>
+            <a:off x="-2181600" y="1734840"/>
+            <a:ext cx="5142600" cy="1682640"/>
           </a:xfrm>
           <a:prstGeom prst="roundRect">
             <a:avLst>
@@ -24337,8 +24337,8 @@
         </p:nvSpPr>
         <p:spPr>
           <a:xfrm rot="2745000">
-            <a:off x="8575200" y="102960"/>
-            <a:ext cx="1131480" cy="1131120"/>
+            <a:off x="8575200" y="102600"/>
+            <a:ext cx="1131120" cy="1130760"/>
           </a:xfrm>
           <a:prstGeom prst="roundRect">
             <a:avLst>
@@ -24375,8 +24375,8 @@
         </p:nvSpPr>
         <p:spPr>
           <a:xfrm rot="16200000">
-            <a:off x="614880" y="919800"/>
-            <a:ext cx="3231000" cy="3312720"/>
+            <a:off x="614880" y="920160"/>
+            <a:ext cx="3230640" cy="3312360"/>
           </a:xfrm>
           <a:prstGeom prst="roundRect">
             <a:avLst>
@@ -24442,7 +24442,7 @@
         <p:spPr>
           <a:xfrm>
             <a:off x="4214160" y="456120"/>
-            <a:ext cx="4110840" cy="854280"/>
+            <a:ext cx="4110480" cy="853920"/>
           </a:xfrm>
           <a:prstGeom prst="rect">
             <a:avLst/>
@@ -24530,8 +24530,8 @@
         </p:nvSpPr>
         <p:spPr>
           <a:xfrm rot="2744400">
-            <a:off x="-279720" y="-25560"/>
-            <a:ext cx="703440" cy="703080"/>
+            <a:off x="-279360" y="-25560"/>
+            <a:ext cx="703080" cy="702720"/>
           </a:xfrm>
           <a:prstGeom prst="roundRect">
             <a:avLst>
@@ -24568,8 +24568,8 @@
         </p:nvSpPr>
         <p:spPr>
           <a:xfrm rot="2332200">
-            <a:off x="6009120" y="-319680"/>
-            <a:ext cx="4854600" cy="7725600"/>
+            <a:off x="6009120" y="-319320"/>
+            <a:ext cx="4854240" cy="7725240"/>
           </a:xfrm>
           <a:prstGeom prst="roundRect">
             <a:avLst>
@@ -24607,9 +24607,9 @@
         <p:grpSpPr>
           <a:xfrm>
             <a:off x="4571640" y="828000"/>
-            <a:ext cx="4467240" cy="3563280"/>
+            <a:ext cx="4466880" cy="3562920"/>
             <a:chOff x="4571640" y="828000"/>
-            <a:chExt cx="4467240" cy="3563280"/>
+            <a:chExt cx="4466880" cy="3562920"/>
           </a:xfrm>
         </p:grpSpPr>
         <p:pic>
@@ -24625,7 +24625,7 @@
           <p:spPr>
             <a:xfrm>
               <a:off x="4571640" y="828000"/>
-              <a:ext cx="4467240" cy="3563280"/>
+              <a:ext cx="4466880" cy="3562920"/>
             </a:xfrm>
             <a:prstGeom prst="rect">
               <a:avLst/>
@@ -24643,8 +24643,8 @@
           </p:nvSpPr>
           <p:spPr>
             <a:xfrm rot="16200000">
-              <a:off x="5962680" y="1159920"/>
-              <a:ext cx="1736280" cy="2770200"/>
+              <a:off x="5962680" y="1160280"/>
+              <a:ext cx="1735920" cy="2769840"/>
             </a:xfrm>
             <a:prstGeom prst="roundRect">
               <a:avLst>
@@ -24711,7 +24711,7 @@
         <p:spPr>
           <a:xfrm>
             <a:off x="5446080" y="1672200"/>
-            <a:ext cx="2769840" cy="1736280"/>
+            <a:ext cx="2769480" cy="1735920"/>
           </a:xfrm>
           <a:prstGeom prst="rect">
             <a:avLst/>
@@ -24763,7 +24763,7 @@
         <p:spPr>
           <a:xfrm>
             <a:off x="586440" y="1246680"/>
-            <a:ext cx="4003200" cy="3598920"/>
+            <a:ext cx="4002840" cy="3598560"/>
           </a:xfrm>
           <a:prstGeom prst="rect">
             <a:avLst/>
@@ -24815,7 +24815,7 @@
         <p:spPr>
           <a:xfrm>
             <a:off x="586440" y="453960"/>
-            <a:ext cx="4763160" cy="854280"/>
+            <a:ext cx="4762800" cy="853920"/>
           </a:xfrm>
           <a:prstGeom prst="rect">
             <a:avLst/>
@@ -24903,8 +24903,8 @@
         </p:nvSpPr>
         <p:spPr>
           <a:xfrm rot="2744400">
-            <a:off x="-279720" y="-25560"/>
-            <a:ext cx="703440" cy="703080"/>
+            <a:off x="-279360" y="-25560"/>
+            <a:ext cx="703080" cy="702720"/>
           </a:xfrm>
           <a:prstGeom prst="roundRect">
             <a:avLst>
@@ -24942,7 +24942,7 @@
         <p:spPr>
           <a:xfrm>
             <a:off x="569160" y="1888920"/>
-            <a:ext cx="4820040" cy="820800"/>
+            <a:ext cx="4819680" cy="820800"/>
           </a:xfrm>
           <a:prstGeom prst="rect">
             <a:avLst/>
@@ -24993,8 +24993,8 @@
         </p:nvSpPr>
         <p:spPr>
           <a:xfrm rot="18679800">
-            <a:off x="6781680" y="457920"/>
-            <a:ext cx="6249600" cy="4665240"/>
+            <a:off x="6781320" y="457920"/>
+            <a:ext cx="6249240" cy="4664880"/>
           </a:xfrm>
           <a:prstGeom prst="roundRect">
             <a:avLst>
@@ -25031,8 +25031,8 @@
         </p:nvSpPr>
         <p:spPr>
           <a:xfrm rot="2625600">
-            <a:off x="6024960" y="4332240"/>
-            <a:ext cx="467280" cy="467280"/>
+            <a:off x="6024960" y="4331880"/>
+            <a:ext cx="466920" cy="466920"/>
           </a:xfrm>
           <a:prstGeom prst="roundRect">
             <a:avLst>
@@ -25070,7 +25070,7 @@
         <p:spPr>
           <a:xfrm>
             <a:off x="1640880" y="4592880"/>
-            <a:ext cx="2994480" cy="265320"/>
+            <a:ext cx="2994120" cy="264960"/>
           </a:xfrm>
           <a:prstGeom prst="rect">
             <a:avLst/>
@@ -25132,7 +25132,7 @@
         <p:spPr>
           <a:xfrm>
             <a:off x="867240" y="3590280"/>
-            <a:ext cx="252360" cy="252720"/>
+            <a:ext cx="252000" cy="252360"/>
           </a:xfrm>
           <a:prstGeom prst="ellipse">
             <a:avLst/>
@@ -25167,7 +25167,7 @@
         <p:spPr>
           <a:xfrm>
             <a:off x="351000" y="3793320"/>
-            <a:ext cx="1284840" cy="1130400"/>
+            <a:ext cx="1284480" cy="1130040"/>
           </a:xfrm>
           <a:prstGeom prst="rect">
             <a:avLst/>
@@ -25222,8 +25222,8 @@
         </p:nvSpPr>
         <p:spPr>
           <a:xfrm rot="2745600">
-            <a:off x="8349840" y="-667800"/>
-            <a:ext cx="1497240" cy="1497240"/>
+            <a:off x="8350200" y="-667800"/>
+            <a:ext cx="1496880" cy="1496880"/>
           </a:xfrm>
           <a:prstGeom prst="roundRect">
             <a:avLst>
@@ -25260,8 +25260,8 @@
         </p:nvSpPr>
         <p:spPr>
           <a:xfrm rot="2745600">
-            <a:off x="7634160" y="-322200"/>
-            <a:ext cx="806040" cy="806400"/>
+            <a:off x="7634160" y="-321840"/>
+            <a:ext cx="805680" cy="806040"/>
           </a:xfrm>
           <a:prstGeom prst="roundRect">
             <a:avLst>
@@ -25300,7 +25300,7 @@
         <p:spPr>
           <a:xfrm>
             <a:off x="586440" y="899640"/>
-            <a:ext cx="7930800" cy="1536120"/>
+            <a:ext cx="7930440" cy="1535760"/>
           </a:xfrm>
           <a:prstGeom prst="rect">
             <a:avLst/>
@@ -25352,7 +25352,7 @@
         <p:spPr>
           <a:xfrm>
             <a:off x="608040" y="2545560"/>
-            <a:ext cx="3711240" cy="2254680"/>
+            <a:ext cx="3710880" cy="2254320"/>
           </a:xfrm>
           <a:prstGeom prst="rect">
             <a:avLst/>
@@ -25404,7 +25404,7 @@
         <p:spPr>
           <a:xfrm>
             <a:off x="4806360" y="2545560"/>
-            <a:ext cx="3711240" cy="2254680"/>
+            <a:ext cx="3710880" cy="2254320"/>
           </a:xfrm>
           <a:prstGeom prst="rect">
             <a:avLst/>
@@ -25456,7 +25456,7 @@
         <p:spPr>
           <a:xfrm>
             <a:off x="583200" y="450720"/>
-            <a:ext cx="7197120" cy="511200"/>
+            <a:ext cx="7196760" cy="510840"/>
           </a:xfrm>
           <a:prstGeom prst="rect">
             <a:avLst/>
@@ -25538,7 +25538,7 @@
         <p:spPr>
           <a:xfrm>
             <a:off x="586440" y="1246680"/>
-            <a:ext cx="4003200" cy="3598920"/>
+            <a:ext cx="4002840" cy="3598560"/>
           </a:xfrm>
           <a:prstGeom prst="rect">
             <a:avLst/>
@@ -25590,7 +25590,7 @@
         <p:spPr>
           <a:xfrm>
             <a:off x="559800" y="446040"/>
-            <a:ext cx="4282560" cy="682560"/>
+            <a:ext cx="4282200" cy="682200"/>
           </a:xfrm>
           <a:prstGeom prst="rect">
             <a:avLst/>
@@ -25642,7 +25642,7 @@
         <p:spPr>
           <a:xfrm>
             <a:off x="5097600" y="360"/>
-            <a:ext cx="4378680" cy="5142960"/>
+            <a:ext cx="4378320" cy="5142600"/>
           </a:xfrm>
           <a:prstGeom prst="roundRect">
             <a:avLst>
@@ -25707,8 +25707,8 @@
         </p:nvSpPr>
         <p:spPr>
           <a:xfrm rot="2744400">
-            <a:off x="-279720" y="-25560"/>
-            <a:ext cx="703440" cy="703080"/>
+            <a:off x="-279360" y="-25560"/>
+            <a:ext cx="703080" cy="702720"/>
           </a:xfrm>
           <a:prstGeom prst="roundRect">
             <a:avLst>
@@ -25745,8 +25745,8 @@
         </p:nvSpPr>
         <p:spPr>
           <a:xfrm rot="2625600">
-            <a:off x="4861080" y="4146120"/>
-            <a:ext cx="467280" cy="467280"/>
+            <a:off x="4861080" y="4145760"/>
+            <a:ext cx="466920" cy="466920"/>
           </a:xfrm>
           <a:prstGeom prst="roundRect">
             <a:avLst>
@@ -25820,8 +25820,8 @@
         </p:nvSpPr>
         <p:spPr>
           <a:xfrm rot="2744400">
-            <a:off x="-348840" y="4539240"/>
-            <a:ext cx="703440" cy="703080"/>
+            <a:off x="-348480" y="4538880"/>
+            <a:ext cx="703080" cy="702720"/>
           </a:xfrm>
           <a:prstGeom prst="roundRect">
             <a:avLst>
@@ -25858,8 +25858,8 @@
         </p:nvSpPr>
         <p:spPr>
           <a:xfrm rot="19228200">
-            <a:off x="5845680" y="-2265480"/>
-            <a:ext cx="4854240" cy="7725240"/>
+            <a:off x="5845320" y="-2265120"/>
+            <a:ext cx="4853880" cy="7724880"/>
           </a:xfrm>
           <a:prstGeom prst="roundRect">
             <a:avLst>
@@ -25897,9 +25897,9 @@
         <p:grpSpPr>
           <a:xfrm>
             <a:off x="4571640" y="828000"/>
-            <a:ext cx="4467240" cy="3563280"/>
+            <a:ext cx="4466880" cy="3562920"/>
             <a:chOff x="4571640" y="828000"/>
-            <a:chExt cx="4467240" cy="3563280"/>
+            <a:chExt cx="4466880" cy="3562920"/>
           </a:xfrm>
         </p:grpSpPr>
         <p:pic>
@@ -25915,7 +25915,7 @@
           <p:spPr>
             <a:xfrm>
               <a:off x="4571640" y="828000"/>
-              <a:ext cx="4467240" cy="3563280"/>
+              <a:ext cx="4466880" cy="3562920"/>
             </a:xfrm>
             <a:prstGeom prst="rect">
               <a:avLst/>
@@ -25933,8 +25933,8 @@
           </p:nvSpPr>
           <p:spPr>
             <a:xfrm rot="16200000">
-              <a:off x="5962680" y="1159920"/>
-              <a:ext cx="1736280" cy="2770200"/>
+              <a:off x="5962680" y="1160280"/>
+              <a:ext cx="1735920" cy="2769840"/>
             </a:xfrm>
             <a:prstGeom prst="roundRect">
               <a:avLst>
@@ -26001,7 +26001,7 @@
         <p:spPr>
           <a:xfrm>
             <a:off x="586440" y="1246680"/>
-            <a:ext cx="4003200" cy="3598920"/>
+            <a:ext cx="4002840" cy="3598560"/>
           </a:xfrm>
           <a:prstGeom prst="rect">
             <a:avLst/>
@@ -26053,7 +26053,7 @@
         <p:spPr>
           <a:xfrm>
             <a:off x="5446080" y="1672200"/>
-            <a:ext cx="2779200" cy="1736280"/>
+            <a:ext cx="2778840" cy="1735920"/>
           </a:xfrm>
           <a:prstGeom prst="rect">
             <a:avLst/>
@@ -26105,7 +26105,7 @@
         <p:spPr>
           <a:xfrm>
             <a:off x="586440" y="453960"/>
-            <a:ext cx="3695760" cy="854280"/>
+            <a:ext cx="3695400" cy="853920"/>
           </a:xfrm>
           <a:prstGeom prst="rect">
             <a:avLst/>
@@ -26194,7 +26194,7 @@
         <p:spPr>
           <a:xfrm>
             <a:off x="4222080" y="1246680"/>
-            <a:ext cx="4114080" cy="3598920"/>
+            <a:ext cx="4113720" cy="3598560"/>
           </a:xfrm>
           <a:prstGeom prst="rect">
             <a:avLst/>
@@ -26245,8 +26245,8 @@
         </p:nvSpPr>
         <p:spPr>
           <a:xfrm rot="16200000">
-            <a:off x="-2181600" y="1734480"/>
-            <a:ext cx="5142960" cy="1683000"/>
+            <a:off x="-2181600" y="1734840"/>
+            <a:ext cx="5142600" cy="1682640"/>
           </a:xfrm>
           <a:prstGeom prst="roundRect">
             <a:avLst>
@@ -26283,8 +26283,8 @@
         </p:nvSpPr>
         <p:spPr>
           <a:xfrm rot="2745000">
-            <a:off x="8575200" y="102960"/>
-            <a:ext cx="1131480" cy="1131120"/>
+            <a:off x="8575200" y="102600"/>
+            <a:ext cx="1131120" cy="1130760"/>
           </a:xfrm>
           <a:prstGeom prst="roundRect">
             <a:avLst>
@@ -26321,8 +26321,8 @@
         </p:nvSpPr>
         <p:spPr>
           <a:xfrm rot="16200000">
-            <a:off x="614880" y="919800"/>
-            <a:ext cx="3231000" cy="3312720"/>
+            <a:off x="614880" y="920160"/>
+            <a:ext cx="3230640" cy="3312360"/>
           </a:xfrm>
           <a:prstGeom prst="roundRect">
             <a:avLst>
@@ -26388,7 +26388,7 @@
         <p:spPr>
           <a:xfrm>
             <a:off x="4214160" y="456120"/>
-            <a:ext cx="4110840" cy="854280"/>
+            <a:ext cx="4110480" cy="853920"/>
           </a:xfrm>
           <a:prstGeom prst="rect">
             <a:avLst/>
